--- a/Material/Football Pitches Booking System.pptx
+++ b/Material/Football Pitches Booking System.pptx
@@ -16,8 +16,10 @@
     <p:sldId id="262" r:id="rId10"/>
     <p:sldId id="273" r:id="rId11"/>
     <p:sldId id="264" r:id="rId12"/>
-    <p:sldId id="267" r:id="rId13"/>
-    <p:sldId id="268" r:id="rId14"/>
+    <p:sldId id="274" r:id="rId13"/>
+    <p:sldId id="275" r:id="rId14"/>
+    <p:sldId id="267" r:id="rId15"/>
+    <p:sldId id="268" r:id="rId16"/>
   </p:sldIdLst>
   <p:sldSz cx="9144000" cy="6858000" type="screen4x3"/>
   <p:notesSz cx="6858000" cy="9144000"/>
@@ -2440,11 +2442,7 @@
         <a:p>
           <a:r>
             <a:rPr lang="en-US" sz="2400" dirty="0" smtClean="0"/>
-            <a:t>Advantages &amp; disadvantages of current </a:t>
-          </a:r>
-          <a:r>
-            <a:rPr lang="en-US" sz="2400" dirty="0" smtClean="0"/>
-            <a:t>system</a:t>
+            <a:t>Advantages &amp; disadvantages of current system</a:t>
           </a:r>
           <a:endParaRPr lang="en-US" sz="2400" dirty="0"/>
         </a:p>
@@ -2562,11 +2560,7 @@
         <a:p>
           <a:r>
             <a:rPr lang="en-US" sz="2400" dirty="0" smtClean="0"/>
-            <a:t>Advantages &amp; disadvantages of </a:t>
-          </a:r>
-          <a:r>
-            <a:rPr lang="en-US" sz="2400" dirty="0" smtClean="0"/>
-            <a:t>new system</a:t>
+            <a:t>Advantages &amp; disadvantages of new system</a:t>
           </a:r>
           <a:endParaRPr lang="en-US" sz="2400" dirty="0"/>
         </a:p>
@@ -4106,11 +4100,7 @@
           </a:pPr>
           <a:r>
             <a:rPr lang="en-US" sz="2400" kern="1200" dirty="0" smtClean="0"/>
-            <a:t>Advantages &amp; disadvantages of current </a:t>
-          </a:r>
-          <a:r>
-            <a:rPr lang="en-US" sz="2400" kern="1200" dirty="0" smtClean="0"/>
-            <a:t>system</a:t>
+            <a:t>Advantages &amp; disadvantages of current system</a:t>
           </a:r>
           <a:endParaRPr lang="en-US" sz="2400" kern="1200" dirty="0"/>
         </a:p>
@@ -4606,11 +4596,7 @@
           </a:pPr>
           <a:r>
             <a:rPr lang="en-US" sz="2400" kern="1200" dirty="0" smtClean="0"/>
-            <a:t>Advantages &amp; disadvantages of </a:t>
-          </a:r>
-          <a:r>
-            <a:rPr lang="en-US" sz="2400" kern="1200" dirty="0" smtClean="0"/>
-            <a:t>new system</a:t>
+            <a:t>Advantages &amp; disadvantages of new system</a:t>
           </a:r>
           <a:endParaRPr lang="en-US" sz="2400" kern="1200" dirty="0"/>
         </a:p>
@@ -8539,7 +8525,7 @@
           <a:p>
             <a:fld id="{F926AD2F-0442-4925-840A-F43001291E72}" type="datetimeFigureOut">
               <a:rPr lang="en-US" smtClean="0"/>
-              <a:t>4/15/2014</a:t>
+              <a:t>4/17/2014</a:t>
             </a:fld>
             <a:endParaRPr lang="en-US"/>
           </a:p>
@@ -8704,7 +8690,7 @@
           <a:p>
             <a:fld id="{F926AD2F-0442-4925-840A-F43001291E72}" type="datetimeFigureOut">
               <a:rPr lang="en-US" smtClean="0"/>
-              <a:t>4/15/2014</a:t>
+              <a:t>4/17/2014</a:t>
             </a:fld>
             <a:endParaRPr lang="en-US"/>
           </a:p>
@@ -8879,7 +8865,7 @@
           <a:p>
             <a:fld id="{F926AD2F-0442-4925-840A-F43001291E72}" type="datetimeFigureOut">
               <a:rPr lang="en-US" smtClean="0"/>
-              <a:t>4/15/2014</a:t>
+              <a:t>4/17/2014</a:t>
             </a:fld>
             <a:endParaRPr lang="en-US"/>
           </a:p>
@@ -9044,7 +9030,7 @@
           <a:p>
             <a:fld id="{F926AD2F-0442-4925-840A-F43001291E72}" type="datetimeFigureOut">
               <a:rPr lang="en-US" smtClean="0"/>
-              <a:t>4/15/2014</a:t>
+              <a:t>4/17/2014</a:t>
             </a:fld>
             <a:endParaRPr lang="en-US"/>
           </a:p>
@@ -9286,7 +9272,7 @@
           <a:p>
             <a:fld id="{F926AD2F-0442-4925-840A-F43001291E72}" type="datetimeFigureOut">
               <a:rPr lang="en-US" smtClean="0"/>
-              <a:t>4/15/2014</a:t>
+              <a:t>4/17/2014</a:t>
             </a:fld>
             <a:endParaRPr lang="en-US"/>
           </a:p>
@@ -9550,7 +9536,7 @@
           <a:p>
             <a:fld id="{F926AD2F-0442-4925-840A-F43001291E72}" type="datetimeFigureOut">
               <a:rPr lang="en-US" smtClean="0"/>
-              <a:t>4/15/2014</a:t>
+              <a:t>4/17/2014</a:t>
             </a:fld>
             <a:endParaRPr lang="en-US"/>
           </a:p>
@@ -9928,7 +9914,7 @@
           <a:p>
             <a:fld id="{F926AD2F-0442-4925-840A-F43001291E72}" type="datetimeFigureOut">
               <a:rPr lang="en-US" smtClean="0"/>
-              <a:t>4/15/2014</a:t>
+              <a:t>4/17/2014</a:t>
             </a:fld>
             <a:endParaRPr lang="en-US"/>
           </a:p>
@@ -10078,7 +10064,7 @@
           <a:p>
             <a:fld id="{F926AD2F-0442-4925-840A-F43001291E72}" type="datetimeFigureOut">
               <a:rPr lang="en-US" smtClean="0"/>
-              <a:t>4/15/2014</a:t>
+              <a:t>4/17/2014</a:t>
             </a:fld>
             <a:endParaRPr lang="en-US"/>
           </a:p>
@@ -10168,7 +10154,7 @@
           <a:p>
             <a:fld id="{F926AD2F-0442-4925-840A-F43001291E72}" type="datetimeFigureOut">
               <a:rPr lang="en-US" smtClean="0"/>
-              <a:t>4/15/2014</a:t>
+              <a:t>4/17/2014</a:t>
             </a:fld>
             <a:endParaRPr lang="en-US"/>
           </a:p>
@@ -10429,7 +10415,7 @@
           <a:p>
             <a:fld id="{F926AD2F-0442-4925-840A-F43001291E72}" type="datetimeFigureOut">
               <a:rPr lang="en-US" smtClean="0"/>
-              <a:t>4/15/2014</a:t>
+              <a:t>4/17/2014</a:t>
             </a:fld>
             <a:endParaRPr lang="en-US"/>
           </a:p>
@@ -10717,7 +10703,7 @@
           <a:p>
             <a:fld id="{F926AD2F-0442-4925-840A-F43001291E72}" type="datetimeFigureOut">
               <a:rPr lang="en-US" smtClean="0"/>
-              <a:t>4/15/2014</a:t>
+              <a:t>4/17/2014</a:t>
             </a:fld>
             <a:endParaRPr lang="en-US"/>
           </a:p>
@@ -11488,7 +11474,7 @@
           <a:p>
             <a:fld id="{F926AD2F-0442-4925-840A-F43001291E72}" type="datetimeFigureOut">
               <a:rPr lang="en-US" smtClean="0"/>
-              <a:t>4/15/2014</a:t>
+              <a:t>4/17/2014</a:t>
             </a:fld>
             <a:endParaRPr lang="en-US"/>
           </a:p>
@@ -12451,14 +12437,12 @@
               <a:rPr lang="en-US" dirty="0" smtClean="0"/>
               <a:t>stadium/rival</a:t>
             </a:r>
-            <a:endParaRPr lang="en-US" dirty="0" smtClean="0"/>
           </a:p>
           <a:p>
             <a:r>
               <a:rPr lang="en-US" dirty="0" smtClean="0"/>
               <a:t>Easy booking</a:t>
             </a:r>
-            <a:endParaRPr lang="en-US" dirty="0" smtClean="0"/>
           </a:p>
           <a:p>
             <a:r>
@@ -12482,7 +12466,6 @@
               <a:rPr lang="en-US" dirty="0" smtClean="0"/>
               <a:t>players</a:t>
             </a:r>
-            <a:endParaRPr lang="en-US" dirty="0" smtClean="0"/>
           </a:p>
           <a:p>
             <a:r>
@@ -12808,6 +12791,201 @@
             <p:ph type="title"/>
           </p:nvPr>
         </p:nvSpPr>
+        <p:spPr>
+          <a:xfrm>
+            <a:off x="20472" y="-17060"/>
+            <a:ext cx="8229600" cy="1312460"/>
+          </a:xfrm>
+        </p:spPr>
+        <p:txBody>
+          <a:bodyPr>
+            <a:normAutofit fontScale="90000"/>
+          </a:bodyPr>
+          <a:lstStyle/>
+          <a:p>
+            <a:r>
+              <a:rPr lang="en-US" dirty="0" smtClean="0"/>
+              <a:t>Database</a:t>
+            </a:r>
+            <a:br>
+              <a:rPr lang="en-US" dirty="0" smtClean="0"/>
+            </a:br>
+            <a:r>
+              <a:rPr lang="en-US" dirty="0" smtClean="0"/>
+              <a:t>Design</a:t>
+            </a:r>
+            <a:endParaRPr lang="en-US" dirty="0"/>
+          </a:p>
+        </p:txBody>
+      </p:sp>
+      <p:pic>
+        <p:nvPicPr>
+          <p:cNvPr id="4" name="Picture 3"/>
+          <p:cNvPicPr>
+            <a:picLocks noChangeAspect="1"/>
+          </p:cNvPicPr>
+          <p:nvPr/>
+        </p:nvPicPr>
+        <p:blipFill>
+          <a:blip r:embed="rId2">
+            <a:extLst>
+              <a:ext uri="{28A0092B-C50C-407E-A947-70E740481C1C}">
+                <a14:useLocalDpi xmlns:a14="http://schemas.microsoft.com/office/drawing/2010/main" val="0"/>
+              </a:ext>
+            </a:extLst>
+          </a:blip>
+          <a:stretch>
+            <a:fillRect/>
+          </a:stretch>
+        </p:blipFill>
+        <p:spPr>
+          <a:xfrm>
+            <a:off x="2286000" y="-17060"/>
+            <a:ext cx="6858000" cy="6858000"/>
+          </a:xfrm>
+          <a:prstGeom prst="rect">
+            <a:avLst/>
+          </a:prstGeom>
+        </p:spPr>
+      </p:pic>
+    </p:spTree>
+    <p:extLst>
+      <p:ext uri="{BB962C8B-B14F-4D97-AF65-F5344CB8AC3E}">
+        <p14:creationId xmlns:p14="http://schemas.microsoft.com/office/powerpoint/2010/main" val="2158052489"/>
+      </p:ext>
+    </p:extLst>
+  </p:cSld>
+  <p:clrMapOvr>
+    <a:masterClrMapping/>
+  </p:clrMapOvr>
+  <p:timing>
+    <p:tnLst>
+      <p:par>
+        <p:cTn id="1" dur="indefinite" restart="never" nodeType="tmRoot"/>
+      </p:par>
+    </p:tnLst>
+  </p:timing>
+</p:sld>
+</file>
+
+<file path=ppt/slides/slide13.xml><?xml version="1.0" encoding="utf-8"?>
+<p:sld xmlns:a="http://schemas.openxmlformats.org/drawingml/2006/main" xmlns:r="http://schemas.openxmlformats.org/officeDocument/2006/relationships" xmlns:p="http://schemas.openxmlformats.org/presentationml/2006/main">
+  <p:cSld>
+    <p:spTree>
+      <p:nvGrpSpPr>
+        <p:cNvPr id="1" name=""/>
+        <p:cNvGrpSpPr/>
+        <p:nvPr/>
+      </p:nvGrpSpPr>
+      <p:grpSpPr>
+        <a:xfrm>
+          <a:off x="0" y="0"/>
+          <a:ext cx="0" cy="0"/>
+          <a:chOff x="0" y="0"/>
+          <a:chExt cx="0" cy="0"/>
+        </a:xfrm>
+      </p:grpSpPr>
+      <p:sp>
+        <p:nvSpPr>
+          <p:cNvPr id="2" name="Title 1"/>
+          <p:cNvSpPr>
+            <a:spLocks noGrp="1"/>
+          </p:cNvSpPr>
+          <p:nvPr>
+            <p:ph type="title"/>
+          </p:nvPr>
+        </p:nvSpPr>
+        <p:spPr/>
+        <p:txBody>
+          <a:bodyPr>
+            <a:normAutofit fontScale="90000"/>
+          </a:bodyPr>
+          <a:lstStyle/>
+          <a:p>
+            <a:r>
+              <a:rPr lang="en-US" dirty="0" smtClean="0"/>
+              <a:t>Business Intelligence</a:t>
+            </a:r>
+            <a:br>
+              <a:rPr lang="en-US" dirty="0" smtClean="0"/>
+            </a:br>
+            <a:endParaRPr lang="en-US" dirty="0"/>
+          </a:p>
+        </p:txBody>
+      </p:sp>
+      <p:pic>
+        <p:nvPicPr>
+          <p:cNvPr id="4" name="Content Placeholder 3"/>
+          <p:cNvPicPr>
+            <a:picLocks noGrp="1" noChangeAspect="1"/>
+          </p:cNvPicPr>
+          <p:nvPr>
+            <p:ph idx="1"/>
+          </p:nvPr>
+        </p:nvPicPr>
+        <p:blipFill>
+          <a:blip r:embed="rId2"/>
+          <a:stretch>
+            <a:fillRect/>
+          </a:stretch>
+        </p:blipFill>
+        <p:spPr>
+          <a:xfrm>
+            <a:off x="27296" y="1275588"/>
+            <a:ext cx="9116704" cy="5522619"/>
+          </a:xfrm>
+          <a:prstGeom prst="rect">
+            <a:avLst/>
+          </a:prstGeom>
+        </p:spPr>
+      </p:pic>
+    </p:spTree>
+    <p:extLst>
+      <p:ext uri="{BB962C8B-B14F-4D97-AF65-F5344CB8AC3E}">
+        <p14:creationId xmlns:p14="http://schemas.microsoft.com/office/powerpoint/2010/main" val="2053051062"/>
+      </p:ext>
+    </p:extLst>
+  </p:cSld>
+  <p:clrMapOvr>
+    <a:masterClrMapping/>
+  </p:clrMapOvr>
+  <p:timing>
+    <p:tnLst>
+      <p:par>
+        <p:cTn id="1" dur="indefinite" restart="never" nodeType="tmRoot"/>
+      </p:par>
+    </p:tnLst>
+  </p:timing>
+</p:sld>
+</file>
+
+<file path=ppt/slides/slide14.xml><?xml version="1.0" encoding="utf-8"?>
+<p:sld xmlns:a="http://schemas.openxmlformats.org/drawingml/2006/main" xmlns:r="http://schemas.openxmlformats.org/officeDocument/2006/relationships" xmlns:p="http://schemas.openxmlformats.org/presentationml/2006/main">
+  <p:cSld>
+    <p:spTree>
+      <p:nvGrpSpPr>
+        <p:cNvPr id="1" name=""/>
+        <p:cNvGrpSpPr/>
+        <p:nvPr/>
+      </p:nvGrpSpPr>
+      <p:grpSpPr>
+        <a:xfrm>
+          <a:off x="0" y="0"/>
+          <a:ext cx="0" cy="0"/>
+          <a:chOff x="0" y="0"/>
+          <a:chExt cx="0" cy="0"/>
+        </a:xfrm>
+      </p:grpSpPr>
+      <p:sp>
+        <p:nvSpPr>
+          <p:cNvPr id="2" name="Title 1"/>
+          <p:cNvSpPr>
+            <a:spLocks noGrp="1"/>
+          </p:cNvSpPr>
+          <p:nvPr>
+            <p:ph type="title"/>
+          </p:nvPr>
+        </p:nvSpPr>
         <p:spPr/>
         <p:txBody>
           <a:bodyPr/>
@@ -12846,7 +13024,6 @@
               <a:rPr lang="en-US" dirty="0" smtClean="0"/>
               <a:t>Support online payment</a:t>
             </a:r>
-            <a:endParaRPr lang="en-US" dirty="0" smtClean="0"/>
           </a:p>
           <a:p>
             <a:r>
@@ -12983,7 +13160,7 @@
 </p:sld>
 </file>
 
-<file path=ppt/slides/slide13.xml><?xml version="1.0" encoding="utf-8"?>
+<file path=ppt/slides/slide15.xml><?xml version="1.0" encoding="utf-8"?>
 <p:sld xmlns:a="http://schemas.openxmlformats.org/drawingml/2006/main" xmlns:r="http://schemas.openxmlformats.org/officeDocument/2006/relationships" xmlns:p="http://schemas.openxmlformats.org/presentationml/2006/main">
   <p:cSld>
     <p:spTree>
@@ -13025,15 +13202,7 @@
             <a:pPr algn="ctr"/>
             <a:r>
               <a:rPr lang="en-US" sz="7200" dirty="0" smtClean="0"/>
-              <a:t>Thanks for </a:t>
-            </a:r>
-            <a:r>
-              <a:rPr lang="en-US" sz="7200" dirty="0" smtClean="0"/>
-              <a:t>watching</a:t>
-            </a:r>
-            <a:r>
-              <a:rPr lang="en-US" sz="7200" dirty="0" smtClean="0"/>
-              <a:t/>
+              <a:t>Thanks for watching</a:t>
             </a:r>
             <a:br>
               <a:rPr lang="en-US" sz="7200" dirty="0" smtClean="0"/>
@@ -13646,11 +13815,7 @@
           <a:p>
             <a:r>
               <a:rPr lang="en-US" dirty="0" smtClean="0"/>
-              <a:t>The traditional </a:t>
-            </a:r>
-            <a:r>
-              <a:rPr lang="en-US" dirty="0" smtClean="0"/>
-              <a:t>booking process</a:t>
+              <a:t>The traditional booking process</a:t>
             </a:r>
             <a:endParaRPr lang="en-US" dirty="0"/>
           </a:p>

--- a/Material/Football Pitches Booking System.pptx
+++ b/Material/Football Pitches Booking System.pptx
@@ -8525,7 +8525,7 @@
           <a:p>
             <a:fld id="{F926AD2F-0442-4925-840A-F43001291E72}" type="datetimeFigureOut">
               <a:rPr lang="en-US" smtClean="0"/>
-              <a:t>4/17/2014</a:t>
+              <a:t>4/19/2014</a:t>
             </a:fld>
             <a:endParaRPr lang="en-US"/>
           </a:p>
@@ -8690,7 +8690,7 @@
           <a:p>
             <a:fld id="{F926AD2F-0442-4925-840A-F43001291E72}" type="datetimeFigureOut">
               <a:rPr lang="en-US" smtClean="0"/>
-              <a:t>4/17/2014</a:t>
+              <a:t>4/19/2014</a:t>
             </a:fld>
             <a:endParaRPr lang="en-US"/>
           </a:p>
@@ -8865,7 +8865,7 @@
           <a:p>
             <a:fld id="{F926AD2F-0442-4925-840A-F43001291E72}" type="datetimeFigureOut">
               <a:rPr lang="en-US" smtClean="0"/>
-              <a:t>4/17/2014</a:t>
+              <a:t>4/19/2014</a:t>
             </a:fld>
             <a:endParaRPr lang="en-US"/>
           </a:p>
@@ -9030,7 +9030,7 @@
           <a:p>
             <a:fld id="{F926AD2F-0442-4925-840A-F43001291E72}" type="datetimeFigureOut">
               <a:rPr lang="en-US" smtClean="0"/>
-              <a:t>4/17/2014</a:t>
+              <a:t>4/19/2014</a:t>
             </a:fld>
             <a:endParaRPr lang="en-US"/>
           </a:p>
@@ -9272,7 +9272,7 @@
           <a:p>
             <a:fld id="{F926AD2F-0442-4925-840A-F43001291E72}" type="datetimeFigureOut">
               <a:rPr lang="en-US" smtClean="0"/>
-              <a:t>4/17/2014</a:t>
+              <a:t>4/19/2014</a:t>
             </a:fld>
             <a:endParaRPr lang="en-US"/>
           </a:p>
@@ -9536,7 +9536,7 @@
           <a:p>
             <a:fld id="{F926AD2F-0442-4925-840A-F43001291E72}" type="datetimeFigureOut">
               <a:rPr lang="en-US" smtClean="0"/>
-              <a:t>4/17/2014</a:t>
+              <a:t>4/19/2014</a:t>
             </a:fld>
             <a:endParaRPr lang="en-US"/>
           </a:p>
@@ -9914,7 +9914,7 @@
           <a:p>
             <a:fld id="{F926AD2F-0442-4925-840A-F43001291E72}" type="datetimeFigureOut">
               <a:rPr lang="en-US" smtClean="0"/>
-              <a:t>4/17/2014</a:t>
+              <a:t>4/19/2014</a:t>
             </a:fld>
             <a:endParaRPr lang="en-US"/>
           </a:p>
@@ -10064,7 +10064,7 @@
           <a:p>
             <a:fld id="{F926AD2F-0442-4925-840A-F43001291E72}" type="datetimeFigureOut">
               <a:rPr lang="en-US" smtClean="0"/>
-              <a:t>4/17/2014</a:t>
+              <a:t>4/19/2014</a:t>
             </a:fld>
             <a:endParaRPr lang="en-US"/>
           </a:p>
@@ -10154,7 +10154,7 @@
           <a:p>
             <a:fld id="{F926AD2F-0442-4925-840A-F43001291E72}" type="datetimeFigureOut">
               <a:rPr lang="en-US" smtClean="0"/>
-              <a:t>4/17/2014</a:t>
+              <a:t>4/19/2014</a:t>
             </a:fld>
             <a:endParaRPr lang="en-US"/>
           </a:p>
@@ -10415,7 +10415,7 @@
           <a:p>
             <a:fld id="{F926AD2F-0442-4925-840A-F43001291E72}" type="datetimeFigureOut">
               <a:rPr lang="en-US" smtClean="0"/>
-              <a:t>4/17/2014</a:t>
+              <a:t>4/19/2014</a:t>
             </a:fld>
             <a:endParaRPr lang="en-US"/>
           </a:p>
@@ -10703,7 +10703,7 @@
           <a:p>
             <a:fld id="{F926AD2F-0442-4925-840A-F43001291E72}" type="datetimeFigureOut">
               <a:rPr lang="en-US" smtClean="0"/>
-              <a:t>4/17/2014</a:t>
+              <a:t>4/19/2014</a:t>
             </a:fld>
             <a:endParaRPr lang="en-US"/>
           </a:p>
@@ -11474,7 +11474,7 @@
           <a:p>
             <a:fld id="{F926AD2F-0442-4925-840A-F43001291E72}" type="datetimeFigureOut">
               <a:rPr lang="en-US" smtClean="0"/>
-              <a:t>4/17/2014</a:t>
+              <a:t>4/19/2014</a:t>
             </a:fld>
             <a:endParaRPr lang="en-US"/>
           </a:p>
@@ -12820,7 +12820,7 @@
       </p:sp>
       <p:pic>
         <p:nvPicPr>
-          <p:cNvPr id="4" name="Picture 3"/>
+          <p:cNvPr id="3" name="Picture 2"/>
           <p:cNvPicPr>
             <a:picLocks noChangeAspect="1"/>
           </p:cNvPicPr>
@@ -12840,8 +12840,8 @@
         </p:blipFill>
         <p:spPr>
           <a:xfrm>
-            <a:off x="2286000" y="-17060"/>
-            <a:ext cx="6858000" cy="6858000"/>
+            <a:off x="2590800" y="-17060"/>
+            <a:ext cx="6211351" cy="6858000"/>
           </a:xfrm>
           <a:prstGeom prst="rect">
             <a:avLst/>

--- a/Material/Football Pitches Booking System.pptx
+++ b/Material/Football Pitches Booking System.pptx
@@ -16,10 +16,8 @@
     <p:sldId id="262" r:id="rId10"/>
     <p:sldId id="273" r:id="rId11"/>
     <p:sldId id="264" r:id="rId12"/>
-    <p:sldId id="274" r:id="rId13"/>
-    <p:sldId id="275" r:id="rId14"/>
-    <p:sldId id="267" r:id="rId15"/>
-    <p:sldId id="268" r:id="rId16"/>
+    <p:sldId id="267" r:id="rId13"/>
+    <p:sldId id="268" r:id="rId14"/>
   </p:sldIdLst>
   <p:sldSz cx="9144000" cy="6858000" type="screen4x3"/>
   <p:notesSz cx="6858000" cy="9144000"/>
@@ -2433,50 +2431,6 @@
         </a:p>
       </dgm:t>
     </dgm:pt>
-    <dgm:pt modelId="{5BF1AB9D-A220-4A4E-A3F8-78F3155C1854}">
-      <dgm:prSet phldrT="[Text]" custT="1"/>
-      <dgm:spPr/>
-      <dgm:t>
-        <a:bodyPr/>
-        <a:lstStyle/>
-        <a:p>
-          <a:r>
-            <a:rPr lang="en-US" sz="2400" dirty="0" smtClean="0"/>
-            <a:t>Advantages &amp; disadvantages of current system</a:t>
-          </a:r>
-          <a:endParaRPr lang="en-US" sz="2400" dirty="0"/>
-        </a:p>
-      </dgm:t>
-      <dgm:extLst>
-        <a:ext uri="{E40237B7-FDA0-4F09-8148-C483321AD2D9}">
-          <dgm14:cNvPr xmlns:dgm14="http://schemas.microsoft.com/office/drawing/2010/diagram" id="0" name="">
-            <a:hlinkClick xmlns:r="http://schemas.openxmlformats.org/officeDocument/2006/relationships" r:id="rId2" action="ppaction://hlinksldjump"/>
-          </dgm14:cNvPr>
-        </a:ext>
-      </dgm:extLst>
-    </dgm:pt>
-    <dgm:pt modelId="{D20B3FC1-59C7-4174-8EA7-531D5E431EF6}" type="parTrans" cxnId="{CA88ABF6-8C37-4E17-A28E-A4FF21C5E88E}">
-      <dgm:prSet/>
-      <dgm:spPr/>
-      <dgm:t>
-        <a:bodyPr/>
-        <a:lstStyle/>
-        <a:p>
-          <a:endParaRPr lang="en-US"/>
-        </a:p>
-      </dgm:t>
-    </dgm:pt>
-    <dgm:pt modelId="{772FB84C-719B-4D8D-AD08-1C8A82B838FD}" type="sibTrans" cxnId="{CA88ABF6-8C37-4E17-A28E-A4FF21C5E88E}">
-      <dgm:prSet/>
-      <dgm:spPr/>
-      <dgm:t>
-        <a:bodyPr/>
-        <a:lstStyle/>
-        <a:p>
-          <a:endParaRPr lang="en-US"/>
-        </a:p>
-      </dgm:t>
-    </dgm:pt>
     <dgm:pt modelId="{E74383C0-205C-4801-A695-86396708BB48}">
       <dgm:prSet phldrT="[Text]" custT="1"/>
       <dgm:spPr/>
@@ -2688,7 +2642,7 @@
       <dgm:spPr/>
     </dgm:pt>
     <dgm:pt modelId="{81D10948-8047-4E00-86F7-5ED16C45CAC2}" type="pres">
-      <dgm:prSet presAssocID="{C34CCBD5-D359-4F06-A5B2-4580321A8A10}" presName="srcNode" presStyleLbl="node1" presStyleIdx="0" presStyleCnt="7"/>
+      <dgm:prSet presAssocID="{C34CCBD5-D359-4F06-A5B2-4580321A8A10}" presName="srcNode" presStyleLbl="node1" presStyleIdx="0" presStyleCnt="6"/>
       <dgm:spPr/>
     </dgm:pt>
     <dgm:pt modelId="{B5BCC200-60D7-4900-9A7B-24268C814EEB}" type="pres">
@@ -2703,15 +2657,15 @@
       </dgm:t>
     </dgm:pt>
     <dgm:pt modelId="{5A558F62-A1EF-4D6B-B4EE-81B67C40EF48}" type="pres">
-      <dgm:prSet presAssocID="{C34CCBD5-D359-4F06-A5B2-4580321A8A10}" presName="extraNode" presStyleLbl="node1" presStyleIdx="0" presStyleCnt="7"/>
+      <dgm:prSet presAssocID="{C34CCBD5-D359-4F06-A5B2-4580321A8A10}" presName="extraNode" presStyleLbl="node1" presStyleIdx="0" presStyleCnt="6"/>
       <dgm:spPr/>
     </dgm:pt>
     <dgm:pt modelId="{494A8A13-CD1F-4D73-9105-FD13D434FED0}" type="pres">
-      <dgm:prSet presAssocID="{C34CCBD5-D359-4F06-A5B2-4580321A8A10}" presName="dstNode" presStyleLbl="node1" presStyleIdx="0" presStyleCnt="7"/>
+      <dgm:prSet presAssocID="{C34CCBD5-D359-4F06-A5B2-4580321A8A10}" presName="dstNode" presStyleLbl="node1" presStyleIdx="0" presStyleCnt="6"/>
       <dgm:spPr/>
     </dgm:pt>
     <dgm:pt modelId="{6D34E32F-661A-4618-89FE-A0BF1FF331F3}" type="pres">
-      <dgm:prSet presAssocID="{F31BE1AA-7EEE-4C24-B257-5E9A5022D13C}" presName="text_1" presStyleLbl="node1" presStyleIdx="0" presStyleCnt="7">
+      <dgm:prSet presAssocID="{F31BE1AA-7EEE-4C24-B257-5E9A5022D13C}" presName="text_1" presStyleLbl="node1" presStyleIdx="0" presStyleCnt="6">
         <dgm:presLayoutVars>
           <dgm:bulletEnabled val="1"/>
         </dgm:presLayoutVars>
@@ -2730,11 +2684,11 @@
       <dgm:spPr/>
     </dgm:pt>
     <dgm:pt modelId="{4CD4FE62-4259-48ED-9D5C-A489B67DFAF1}" type="pres">
-      <dgm:prSet presAssocID="{F31BE1AA-7EEE-4C24-B257-5E9A5022D13C}" presName="accentRepeatNode" presStyleLbl="solidFgAcc1" presStyleIdx="0" presStyleCnt="7"/>
+      <dgm:prSet presAssocID="{F31BE1AA-7EEE-4C24-B257-5E9A5022D13C}" presName="accentRepeatNode" presStyleLbl="solidFgAcc1" presStyleIdx="0" presStyleCnt="6"/>
       <dgm:spPr/>
     </dgm:pt>
-    <dgm:pt modelId="{A3104B99-855C-49B4-8069-FCC68D29EB1A}" type="pres">
-      <dgm:prSet presAssocID="{5BF1AB9D-A220-4A4E-A3F8-78F3155C1854}" presName="text_2" presStyleLbl="node1" presStyleIdx="1" presStyleCnt="7">
+    <dgm:pt modelId="{F1034A5F-A4EA-4EAB-8CA6-D16263099AEA}" type="pres">
+      <dgm:prSet presAssocID="{E74383C0-205C-4801-A695-86396708BB48}" presName="text_2" presStyleLbl="node1" presStyleIdx="1" presStyleCnt="6">
         <dgm:presLayoutVars>
           <dgm:bulletEnabled val="1"/>
         </dgm:presLayoutVars>
@@ -2748,16 +2702,16 @@
         </a:p>
       </dgm:t>
     </dgm:pt>
-    <dgm:pt modelId="{D6B653C4-CF9F-4B49-8BBC-B348D15F6D5D}" type="pres">
-      <dgm:prSet presAssocID="{5BF1AB9D-A220-4A4E-A3F8-78F3155C1854}" presName="accent_2" presStyleCnt="0"/>
+    <dgm:pt modelId="{9EC1D39B-C648-4538-B145-B03E89573DF4}" type="pres">
+      <dgm:prSet presAssocID="{E74383C0-205C-4801-A695-86396708BB48}" presName="accent_2" presStyleCnt="0"/>
       <dgm:spPr/>
     </dgm:pt>
-    <dgm:pt modelId="{35D27AC3-6543-47EC-9D43-F196CF36F3B0}" type="pres">
-      <dgm:prSet presAssocID="{5BF1AB9D-A220-4A4E-A3F8-78F3155C1854}" presName="accentRepeatNode" presStyleLbl="solidFgAcc1" presStyleIdx="1" presStyleCnt="7"/>
+    <dgm:pt modelId="{814DB13A-998E-4DC4-BD6A-589A139B6B03}" type="pres">
+      <dgm:prSet presAssocID="{E74383C0-205C-4801-A695-86396708BB48}" presName="accentRepeatNode" presStyleLbl="solidFgAcc1" presStyleIdx="1" presStyleCnt="6"/>
       <dgm:spPr/>
     </dgm:pt>
-    <dgm:pt modelId="{EECC6FE4-1328-4BBE-8F10-6779855078EC}" type="pres">
-      <dgm:prSet presAssocID="{E74383C0-205C-4801-A695-86396708BB48}" presName="text_3" presStyleLbl="node1" presStyleIdx="2" presStyleCnt="7">
+    <dgm:pt modelId="{F1C26403-44FF-4AD9-BB87-A9207818882A}" type="pres">
+      <dgm:prSet presAssocID="{E55B2719-257A-4E09-8AD2-1EBECF00128E}" presName="text_3" presStyleLbl="node1" presStyleIdx="2" presStyleCnt="6">
         <dgm:presLayoutVars>
           <dgm:bulletEnabled val="1"/>
         </dgm:presLayoutVars>
@@ -2771,16 +2725,16 @@
         </a:p>
       </dgm:t>
     </dgm:pt>
-    <dgm:pt modelId="{7CD829F9-C9CC-4330-A3CE-A851F5F6F26C}" type="pres">
-      <dgm:prSet presAssocID="{E74383C0-205C-4801-A695-86396708BB48}" presName="accent_3" presStyleCnt="0"/>
+    <dgm:pt modelId="{8E4C6596-94BB-4F9F-AE53-D13BDE46A297}" type="pres">
+      <dgm:prSet presAssocID="{E55B2719-257A-4E09-8AD2-1EBECF00128E}" presName="accent_3" presStyleCnt="0"/>
       <dgm:spPr/>
     </dgm:pt>
-    <dgm:pt modelId="{814DB13A-998E-4DC4-BD6A-589A139B6B03}" type="pres">
-      <dgm:prSet presAssocID="{E74383C0-205C-4801-A695-86396708BB48}" presName="accentRepeatNode" presStyleLbl="solidFgAcc1" presStyleIdx="2" presStyleCnt="7"/>
+    <dgm:pt modelId="{EE20CFA9-0DA5-42D2-A695-B32F0CCCC2C9}" type="pres">
+      <dgm:prSet presAssocID="{E55B2719-257A-4E09-8AD2-1EBECF00128E}" presName="accentRepeatNode" presStyleLbl="solidFgAcc1" presStyleIdx="2" presStyleCnt="6"/>
       <dgm:spPr/>
     </dgm:pt>
-    <dgm:pt modelId="{23DC2D5B-B3C7-486F-9CE2-F99E5043B399}" type="pres">
-      <dgm:prSet presAssocID="{E55B2719-257A-4E09-8AD2-1EBECF00128E}" presName="text_4" presStyleLbl="node1" presStyleIdx="3" presStyleCnt="7">
+    <dgm:pt modelId="{BDA9C54D-9864-4FD6-873B-5444C3CE9EAB}" type="pres">
+      <dgm:prSet presAssocID="{76F5375F-1239-4158-A608-87D9ED4DF278}" presName="text_4" presStyleLbl="node1" presStyleIdx="3" presStyleCnt="6">
         <dgm:presLayoutVars>
           <dgm:bulletEnabled val="1"/>
         </dgm:presLayoutVars>
@@ -2794,16 +2748,16 @@
         </a:p>
       </dgm:t>
     </dgm:pt>
-    <dgm:pt modelId="{39AC9669-EE45-473B-A11E-B23293F293BC}" type="pres">
-      <dgm:prSet presAssocID="{E55B2719-257A-4E09-8AD2-1EBECF00128E}" presName="accent_4" presStyleCnt="0"/>
+    <dgm:pt modelId="{E30B8D9E-4A3E-405D-9D60-BBC0EB83A950}" type="pres">
+      <dgm:prSet presAssocID="{76F5375F-1239-4158-A608-87D9ED4DF278}" presName="accent_4" presStyleCnt="0"/>
       <dgm:spPr/>
     </dgm:pt>
-    <dgm:pt modelId="{EE20CFA9-0DA5-42D2-A695-B32F0CCCC2C9}" type="pres">
-      <dgm:prSet presAssocID="{E55B2719-257A-4E09-8AD2-1EBECF00128E}" presName="accentRepeatNode" presStyleLbl="solidFgAcc1" presStyleIdx="3" presStyleCnt="7"/>
+    <dgm:pt modelId="{A3E89A63-B901-4849-9AC8-2BA30F665AF1}" type="pres">
+      <dgm:prSet presAssocID="{76F5375F-1239-4158-A608-87D9ED4DF278}" presName="accentRepeatNode" presStyleLbl="solidFgAcc1" presStyleIdx="3" presStyleCnt="6"/>
       <dgm:spPr/>
     </dgm:pt>
-    <dgm:pt modelId="{9E335180-6E28-4ED0-A243-978597241A38}" type="pres">
-      <dgm:prSet presAssocID="{76F5375F-1239-4158-A608-87D9ED4DF278}" presName="text_5" presStyleLbl="node1" presStyleIdx="4" presStyleCnt="7">
+    <dgm:pt modelId="{3C71A3F3-CA8E-4A00-8505-25E9EBAD774D}" type="pres">
+      <dgm:prSet presAssocID="{BFBB8CFE-9157-4E9F-A22D-751DE6A0A3D2}" presName="text_5" presStyleLbl="node1" presStyleIdx="4" presStyleCnt="6">
         <dgm:presLayoutVars>
           <dgm:bulletEnabled val="1"/>
         </dgm:presLayoutVars>
@@ -2817,16 +2771,16 @@
         </a:p>
       </dgm:t>
     </dgm:pt>
-    <dgm:pt modelId="{669A14FE-C942-46A2-8B08-1BBF2C3DE298}" type="pres">
-      <dgm:prSet presAssocID="{76F5375F-1239-4158-A608-87D9ED4DF278}" presName="accent_5" presStyleCnt="0"/>
+    <dgm:pt modelId="{D88BD3FF-1233-4EC0-889F-BFBB97D84303}" type="pres">
+      <dgm:prSet presAssocID="{BFBB8CFE-9157-4E9F-A22D-751DE6A0A3D2}" presName="accent_5" presStyleCnt="0"/>
       <dgm:spPr/>
     </dgm:pt>
-    <dgm:pt modelId="{A3E89A63-B901-4849-9AC8-2BA30F665AF1}" type="pres">
-      <dgm:prSet presAssocID="{76F5375F-1239-4158-A608-87D9ED4DF278}" presName="accentRepeatNode" presStyleLbl="solidFgAcc1" presStyleIdx="4" presStyleCnt="7"/>
+    <dgm:pt modelId="{F6998E51-831E-4FF7-936A-518A2875D081}" type="pres">
+      <dgm:prSet presAssocID="{BFBB8CFE-9157-4E9F-A22D-751DE6A0A3D2}" presName="accentRepeatNode" presStyleLbl="solidFgAcc1" presStyleIdx="4" presStyleCnt="6"/>
       <dgm:spPr/>
     </dgm:pt>
-    <dgm:pt modelId="{8DC27B8C-E5A0-413D-A4AA-7D94334D0BF1}" type="pres">
-      <dgm:prSet presAssocID="{BFBB8CFE-9157-4E9F-A22D-751DE6A0A3D2}" presName="text_6" presStyleLbl="node1" presStyleIdx="5" presStyleCnt="7">
+    <dgm:pt modelId="{9EA31C7A-B66B-4DB5-9B49-C3B56CB63200}" type="pres">
+      <dgm:prSet presAssocID="{957B09A0-4A4E-4904-AE5A-9BB88F50D0BD}" presName="text_6" presStyleLbl="node1" presStyleIdx="5" presStyleCnt="6">
         <dgm:presLayoutVars>
           <dgm:bulletEnabled val="1"/>
         </dgm:presLayoutVars>
@@ -2840,55 +2794,30 @@
         </a:p>
       </dgm:t>
     </dgm:pt>
-    <dgm:pt modelId="{6F4BD079-1CFC-4FC5-9FA6-9B0EB18E0441}" type="pres">
-      <dgm:prSet presAssocID="{BFBB8CFE-9157-4E9F-A22D-751DE6A0A3D2}" presName="accent_6" presStyleCnt="0"/>
-      <dgm:spPr/>
-    </dgm:pt>
-    <dgm:pt modelId="{F6998E51-831E-4FF7-936A-518A2875D081}" type="pres">
-      <dgm:prSet presAssocID="{BFBB8CFE-9157-4E9F-A22D-751DE6A0A3D2}" presName="accentRepeatNode" presStyleLbl="solidFgAcc1" presStyleIdx="5" presStyleCnt="7"/>
-      <dgm:spPr/>
-    </dgm:pt>
-    <dgm:pt modelId="{064D1FF3-9FAA-4C7C-954C-49E54438744E}" type="pres">
-      <dgm:prSet presAssocID="{957B09A0-4A4E-4904-AE5A-9BB88F50D0BD}" presName="text_7" presStyleLbl="node1" presStyleIdx="6" presStyleCnt="7">
-        <dgm:presLayoutVars>
-          <dgm:bulletEnabled val="1"/>
-        </dgm:presLayoutVars>
-      </dgm:prSet>
-      <dgm:spPr/>
-      <dgm:t>
-        <a:bodyPr/>
-        <a:lstStyle/>
-        <a:p>
-          <a:endParaRPr lang="en-US"/>
-        </a:p>
-      </dgm:t>
-    </dgm:pt>
-    <dgm:pt modelId="{E128E44C-5A73-4C99-82D9-CC838D8421BB}" type="pres">
-      <dgm:prSet presAssocID="{957B09A0-4A4E-4904-AE5A-9BB88F50D0BD}" presName="accent_7" presStyleCnt="0"/>
+    <dgm:pt modelId="{05393B6A-102C-4FD4-BB03-934BE629AA60}" type="pres">
+      <dgm:prSet presAssocID="{957B09A0-4A4E-4904-AE5A-9BB88F50D0BD}" presName="accent_6" presStyleCnt="0"/>
       <dgm:spPr/>
     </dgm:pt>
     <dgm:pt modelId="{D50DEEA4-9FE4-4937-B4C5-108EFEA3CAE6}" type="pres">
-      <dgm:prSet presAssocID="{957B09A0-4A4E-4904-AE5A-9BB88F50D0BD}" presName="accentRepeatNode" presStyleLbl="solidFgAcc1" presStyleIdx="6" presStyleCnt="7"/>
+      <dgm:prSet presAssocID="{957B09A0-4A4E-4904-AE5A-9BB88F50D0BD}" presName="accentRepeatNode" presStyleLbl="solidFgAcc1" presStyleIdx="5" presStyleCnt="6"/>
       <dgm:spPr/>
     </dgm:pt>
   </dgm:ptLst>
   <dgm:cxnLst>
-    <dgm:cxn modelId="{A96C1DC2-D93D-4A24-804D-19FD01B5B295}" srcId="{C34CCBD5-D359-4F06-A5B2-4580321A8A10}" destId="{E74383C0-205C-4801-A695-86396708BB48}" srcOrd="2" destOrd="0" parTransId="{DAE9170D-E7E6-490A-872A-382B96D96075}" sibTransId="{EF953762-EC38-4644-BFA1-ABB6085F5967}"/>
-    <dgm:cxn modelId="{E1E6F45F-79AE-442C-A5EA-5F5D9DA5012B}" type="presOf" srcId="{76F5375F-1239-4158-A608-87D9ED4DF278}" destId="{9E335180-6E28-4ED0-A243-978597241A38}" srcOrd="0" destOrd="0" presId="urn:microsoft.com/office/officeart/2008/layout/VerticalCurvedList"/>
-    <dgm:cxn modelId="{639529E1-6C84-4E30-AB87-3F1B38368653}" srcId="{C34CCBD5-D359-4F06-A5B2-4580321A8A10}" destId="{E55B2719-257A-4E09-8AD2-1EBECF00128E}" srcOrd="3" destOrd="0" parTransId="{610D50FB-A79C-4162-A54F-02530666BADB}" sibTransId="{71EAC80B-625D-460C-8A2E-5B92AEC0E4E9}"/>
-    <dgm:cxn modelId="{9F2A9092-80F0-41BF-B197-57F709A1A8A1}" type="presOf" srcId="{5BF1AB9D-A220-4A4E-A3F8-78F3155C1854}" destId="{A3104B99-855C-49B4-8069-FCC68D29EB1A}" srcOrd="0" destOrd="0" presId="urn:microsoft.com/office/officeart/2008/layout/VerticalCurvedList"/>
-    <dgm:cxn modelId="{8FC9000D-F187-4739-A207-D1C56A9E1281}" type="presOf" srcId="{E74383C0-205C-4801-A695-86396708BB48}" destId="{EECC6FE4-1328-4BBE-8F10-6779855078EC}" srcOrd="0" destOrd="0" presId="urn:microsoft.com/office/officeart/2008/layout/VerticalCurvedList"/>
-    <dgm:cxn modelId="{412DA6B5-AD6A-410C-8A69-61DE27DE63DF}" type="presOf" srcId="{957B09A0-4A4E-4904-AE5A-9BB88F50D0BD}" destId="{064D1FF3-9FAA-4C7C-954C-49E54438744E}" srcOrd="0" destOrd="0" presId="urn:microsoft.com/office/officeart/2008/layout/VerticalCurvedList"/>
-    <dgm:cxn modelId="{CFF6E0F7-A34D-499A-91C8-8C0FA2571D09}" srcId="{C34CCBD5-D359-4F06-A5B2-4580321A8A10}" destId="{957B09A0-4A4E-4904-AE5A-9BB88F50D0BD}" srcOrd="6" destOrd="0" parTransId="{CE74D915-4F31-4A1D-80A4-6D323398482F}" sibTransId="{4D175316-683C-4F73-8D9D-072A4C73A2B1}"/>
+    <dgm:cxn modelId="{A96C1DC2-D93D-4A24-804D-19FD01B5B295}" srcId="{C34CCBD5-D359-4F06-A5B2-4580321A8A10}" destId="{E74383C0-205C-4801-A695-86396708BB48}" srcOrd="1" destOrd="0" parTransId="{DAE9170D-E7E6-490A-872A-382B96D96075}" sibTransId="{EF953762-EC38-4644-BFA1-ABB6085F5967}"/>
+    <dgm:cxn modelId="{639529E1-6C84-4E30-AB87-3F1B38368653}" srcId="{C34CCBD5-D359-4F06-A5B2-4580321A8A10}" destId="{E55B2719-257A-4E09-8AD2-1EBECF00128E}" srcOrd="2" destOrd="0" parTransId="{610D50FB-A79C-4162-A54F-02530666BADB}" sibTransId="{71EAC80B-625D-460C-8A2E-5B92AEC0E4E9}"/>
+    <dgm:cxn modelId="{67F1D4A4-2CC5-489D-9ED1-3A22D435AB7F}" type="presOf" srcId="{E55B2719-257A-4E09-8AD2-1EBECF00128E}" destId="{F1C26403-44FF-4AD9-BB87-A9207818882A}" srcOrd="0" destOrd="0" presId="urn:microsoft.com/office/officeart/2008/layout/VerticalCurvedList"/>
+    <dgm:cxn modelId="{0B4EB3D3-51B3-4288-AF3D-2BEE28A8DA75}" type="presOf" srcId="{76F5375F-1239-4158-A608-87D9ED4DF278}" destId="{BDA9C54D-9864-4FD6-873B-5444C3CE9EAB}" srcOrd="0" destOrd="0" presId="urn:microsoft.com/office/officeart/2008/layout/VerticalCurvedList"/>
+    <dgm:cxn modelId="{DA8C9F4D-BB24-457A-93C9-353C5DF86ECA}" type="presOf" srcId="{957B09A0-4A4E-4904-AE5A-9BB88F50D0BD}" destId="{9EA31C7A-B66B-4DB5-9B49-C3B56CB63200}" srcOrd="0" destOrd="0" presId="urn:microsoft.com/office/officeart/2008/layout/VerticalCurvedList"/>
+    <dgm:cxn modelId="{CFF6E0F7-A34D-499A-91C8-8C0FA2571D09}" srcId="{C34CCBD5-D359-4F06-A5B2-4580321A8A10}" destId="{957B09A0-4A4E-4904-AE5A-9BB88F50D0BD}" srcOrd="5" destOrd="0" parTransId="{CE74D915-4F31-4A1D-80A4-6D323398482F}" sibTransId="{4D175316-683C-4F73-8D9D-072A4C73A2B1}"/>
     <dgm:cxn modelId="{059A8531-FDDD-4303-8AFE-C40C1C11AA88}" type="presOf" srcId="{F31BE1AA-7EEE-4C24-B257-5E9A5022D13C}" destId="{6D34E32F-661A-4618-89FE-A0BF1FF331F3}" srcOrd="0" destOrd="0" presId="urn:microsoft.com/office/officeart/2008/layout/VerticalCurvedList"/>
-    <dgm:cxn modelId="{D7404C93-E293-499B-B746-42B21DF2F207}" srcId="{C34CCBD5-D359-4F06-A5B2-4580321A8A10}" destId="{76F5375F-1239-4158-A608-87D9ED4DF278}" srcOrd="4" destOrd="0" parTransId="{2BDEBEA0-EFB1-4DB5-B0AC-1270D476C4F7}" sibTransId="{050878F3-AC80-4F4A-8A83-A4CB186BF07A}"/>
-    <dgm:cxn modelId="{6FDA6F1A-00CC-421D-A45B-AA62D53D99E4}" srcId="{C34CCBD5-D359-4F06-A5B2-4580321A8A10}" destId="{BFBB8CFE-9157-4E9F-A22D-751DE6A0A3D2}" srcOrd="5" destOrd="0" parTransId="{581C2A35-C358-4BD9-88EC-6A075761111B}" sibTransId="{47A1DFAC-A8BA-43A4-B009-D9DD7FED6226}"/>
+    <dgm:cxn modelId="{D7404C93-E293-499B-B746-42B21DF2F207}" srcId="{C34CCBD5-D359-4F06-A5B2-4580321A8A10}" destId="{76F5375F-1239-4158-A608-87D9ED4DF278}" srcOrd="3" destOrd="0" parTransId="{2BDEBEA0-EFB1-4DB5-B0AC-1270D476C4F7}" sibTransId="{050878F3-AC80-4F4A-8A83-A4CB186BF07A}"/>
+    <dgm:cxn modelId="{6FDA6F1A-00CC-421D-A45B-AA62D53D99E4}" srcId="{C34CCBD5-D359-4F06-A5B2-4580321A8A10}" destId="{BFBB8CFE-9157-4E9F-A22D-751DE6A0A3D2}" srcOrd="4" destOrd="0" parTransId="{581C2A35-C358-4BD9-88EC-6A075761111B}" sibTransId="{47A1DFAC-A8BA-43A4-B009-D9DD7FED6226}"/>
     <dgm:cxn modelId="{96ADE303-5794-472A-B9A4-3163F982F409}" srcId="{C34CCBD5-D359-4F06-A5B2-4580321A8A10}" destId="{F31BE1AA-7EEE-4C24-B257-5E9A5022D13C}" srcOrd="0" destOrd="0" parTransId="{A8D57051-D189-40DB-9A42-875C18075A95}" sibTransId="{204D5E8A-57CF-42CC-A56B-B90D5C871990}"/>
     <dgm:cxn modelId="{CE831E67-B143-4FF1-B82E-456AB4870F95}" type="presOf" srcId="{204D5E8A-57CF-42CC-A56B-B90D5C871990}" destId="{B5BCC200-60D7-4900-9A7B-24268C814EEB}" srcOrd="0" destOrd="0" presId="urn:microsoft.com/office/officeart/2008/layout/VerticalCurvedList"/>
-    <dgm:cxn modelId="{4548390C-B343-4C84-8007-67964F8E8B88}" type="presOf" srcId="{BFBB8CFE-9157-4E9F-A22D-751DE6A0A3D2}" destId="{8DC27B8C-E5A0-413D-A4AA-7D94334D0BF1}" srcOrd="0" destOrd="0" presId="urn:microsoft.com/office/officeart/2008/layout/VerticalCurvedList"/>
-    <dgm:cxn modelId="{A882E11D-DEBA-497C-9337-B998B0044D87}" type="presOf" srcId="{E55B2719-257A-4E09-8AD2-1EBECF00128E}" destId="{23DC2D5B-B3C7-486F-9CE2-F99E5043B399}" srcOrd="0" destOrd="0" presId="urn:microsoft.com/office/officeart/2008/layout/VerticalCurvedList"/>
+    <dgm:cxn modelId="{060DD01D-B5DC-4A7B-95D2-624F258D5CEA}" type="presOf" srcId="{BFBB8CFE-9157-4E9F-A22D-751DE6A0A3D2}" destId="{3C71A3F3-CA8E-4A00-8505-25E9EBAD774D}" srcOrd="0" destOrd="0" presId="urn:microsoft.com/office/officeart/2008/layout/VerticalCurvedList"/>
     <dgm:cxn modelId="{416BCFCF-419D-4936-86A8-1875E6046F8E}" type="presOf" srcId="{C34CCBD5-D359-4F06-A5B2-4580321A8A10}" destId="{8CC568C2-0185-45C2-8F4E-F985590CEE09}" srcOrd="0" destOrd="0" presId="urn:microsoft.com/office/officeart/2008/layout/VerticalCurvedList"/>
-    <dgm:cxn modelId="{CA88ABF6-8C37-4E17-A28E-A4FF21C5E88E}" srcId="{C34CCBD5-D359-4F06-A5B2-4580321A8A10}" destId="{5BF1AB9D-A220-4A4E-A3F8-78F3155C1854}" srcOrd="1" destOrd="0" parTransId="{D20B3FC1-59C7-4174-8EA7-531D5E431EF6}" sibTransId="{772FB84C-719B-4D8D-AD08-1C8A82B838FD}"/>
+    <dgm:cxn modelId="{8CBEC46A-910E-406E-A5A0-0F39CED570BB}" type="presOf" srcId="{E74383C0-205C-4801-A695-86396708BB48}" destId="{F1034A5F-A4EA-4EAB-8CA6-D16263099AEA}" srcOrd="0" destOrd="0" presId="urn:microsoft.com/office/officeart/2008/layout/VerticalCurvedList"/>
     <dgm:cxn modelId="{7AAC037C-553E-4142-8A8B-9BAB70C72E34}" type="presParOf" srcId="{8CC568C2-0185-45C2-8F4E-F985590CEE09}" destId="{70E77ED7-10DC-42FF-AD20-1FAF4C8CEFD6}" srcOrd="0" destOrd="0" presId="urn:microsoft.com/office/officeart/2008/layout/VerticalCurvedList"/>
     <dgm:cxn modelId="{5BDE4C8F-6B1F-4BC8-8730-C7F8C4573F73}" type="presParOf" srcId="{70E77ED7-10DC-42FF-AD20-1FAF4C8CEFD6}" destId="{B106D650-1185-423C-9D72-D7E85AC0DB06}" srcOrd="0" destOrd="0" presId="urn:microsoft.com/office/officeart/2008/layout/VerticalCurvedList"/>
     <dgm:cxn modelId="{0996FF33-3BE9-4DB7-893F-6E2F26433E9E}" type="presParOf" srcId="{B106D650-1185-423C-9D72-D7E85AC0DB06}" destId="{81D10948-8047-4E00-86F7-5ED16C45CAC2}" srcOrd="0" destOrd="0" presId="urn:microsoft.com/office/officeart/2008/layout/VerticalCurvedList"/>
@@ -2898,24 +2827,21 @@
     <dgm:cxn modelId="{B90FEE2E-4162-4AA5-A5B3-2D031ED3D667}" type="presParOf" srcId="{70E77ED7-10DC-42FF-AD20-1FAF4C8CEFD6}" destId="{6D34E32F-661A-4618-89FE-A0BF1FF331F3}" srcOrd="1" destOrd="0" presId="urn:microsoft.com/office/officeart/2008/layout/VerticalCurvedList"/>
     <dgm:cxn modelId="{40B5F2A2-9C53-4C7F-8914-9FCE86EA77E0}" type="presParOf" srcId="{70E77ED7-10DC-42FF-AD20-1FAF4C8CEFD6}" destId="{5B35A1DA-1C73-48D5-A23D-0C12C5D2F295}" srcOrd="2" destOrd="0" presId="urn:microsoft.com/office/officeart/2008/layout/VerticalCurvedList"/>
     <dgm:cxn modelId="{C5846B2B-D914-4537-AF97-9E010DC523DF}" type="presParOf" srcId="{5B35A1DA-1C73-48D5-A23D-0C12C5D2F295}" destId="{4CD4FE62-4259-48ED-9D5C-A489B67DFAF1}" srcOrd="0" destOrd="0" presId="urn:microsoft.com/office/officeart/2008/layout/VerticalCurvedList"/>
-    <dgm:cxn modelId="{E7B75E23-EBAD-4115-8123-B4B6FB550747}" type="presParOf" srcId="{70E77ED7-10DC-42FF-AD20-1FAF4C8CEFD6}" destId="{A3104B99-855C-49B4-8069-FCC68D29EB1A}" srcOrd="3" destOrd="0" presId="urn:microsoft.com/office/officeart/2008/layout/VerticalCurvedList"/>
-    <dgm:cxn modelId="{78FE6AA3-C117-445C-BB95-BF2DDE846639}" type="presParOf" srcId="{70E77ED7-10DC-42FF-AD20-1FAF4C8CEFD6}" destId="{D6B653C4-CF9F-4B49-8BBC-B348D15F6D5D}" srcOrd="4" destOrd="0" presId="urn:microsoft.com/office/officeart/2008/layout/VerticalCurvedList"/>
-    <dgm:cxn modelId="{280E2799-EAA3-44E1-80EC-15256518B321}" type="presParOf" srcId="{D6B653C4-CF9F-4B49-8BBC-B348D15F6D5D}" destId="{35D27AC3-6543-47EC-9D43-F196CF36F3B0}" srcOrd="0" destOrd="0" presId="urn:microsoft.com/office/officeart/2008/layout/VerticalCurvedList"/>
-    <dgm:cxn modelId="{4BBB2B09-7B68-4A38-9943-24B71EE9FFC3}" type="presParOf" srcId="{70E77ED7-10DC-42FF-AD20-1FAF4C8CEFD6}" destId="{EECC6FE4-1328-4BBE-8F10-6779855078EC}" srcOrd="5" destOrd="0" presId="urn:microsoft.com/office/officeart/2008/layout/VerticalCurvedList"/>
-    <dgm:cxn modelId="{E3EDDD09-0D64-40B9-BC34-BD2AF5E6A5C5}" type="presParOf" srcId="{70E77ED7-10DC-42FF-AD20-1FAF4C8CEFD6}" destId="{7CD829F9-C9CC-4330-A3CE-A851F5F6F26C}" srcOrd="6" destOrd="0" presId="urn:microsoft.com/office/officeart/2008/layout/VerticalCurvedList"/>
-    <dgm:cxn modelId="{4BA6CF8A-7F97-452A-A00C-D54C4CA05BBE}" type="presParOf" srcId="{7CD829F9-C9CC-4330-A3CE-A851F5F6F26C}" destId="{814DB13A-998E-4DC4-BD6A-589A139B6B03}" srcOrd="0" destOrd="0" presId="urn:microsoft.com/office/officeart/2008/layout/VerticalCurvedList"/>
-    <dgm:cxn modelId="{028E1663-9E26-4E4C-9A4F-FFD30E353E03}" type="presParOf" srcId="{70E77ED7-10DC-42FF-AD20-1FAF4C8CEFD6}" destId="{23DC2D5B-B3C7-486F-9CE2-F99E5043B399}" srcOrd="7" destOrd="0" presId="urn:microsoft.com/office/officeart/2008/layout/VerticalCurvedList"/>
-    <dgm:cxn modelId="{2741CBEF-0EB4-4956-8BEA-03024D787898}" type="presParOf" srcId="{70E77ED7-10DC-42FF-AD20-1FAF4C8CEFD6}" destId="{39AC9669-EE45-473B-A11E-B23293F293BC}" srcOrd="8" destOrd="0" presId="urn:microsoft.com/office/officeart/2008/layout/VerticalCurvedList"/>
-    <dgm:cxn modelId="{8D2EF59C-1A5A-4198-B26B-2F5899487CE0}" type="presParOf" srcId="{39AC9669-EE45-473B-A11E-B23293F293BC}" destId="{EE20CFA9-0DA5-42D2-A695-B32F0CCCC2C9}" srcOrd="0" destOrd="0" presId="urn:microsoft.com/office/officeart/2008/layout/VerticalCurvedList"/>
-    <dgm:cxn modelId="{069F6856-421A-4BAD-A834-9FEE37AB2B39}" type="presParOf" srcId="{70E77ED7-10DC-42FF-AD20-1FAF4C8CEFD6}" destId="{9E335180-6E28-4ED0-A243-978597241A38}" srcOrd="9" destOrd="0" presId="urn:microsoft.com/office/officeart/2008/layout/VerticalCurvedList"/>
-    <dgm:cxn modelId="{2354734F-66DD-499E-B5BD-E9720A27442C}" type="presParOf" srcId="{70E77ED7-10DC-42FF-AD20-1FAF4C8CEFD6}" destId="{669A14FE-C942-46A2-8B08-1BBF2C3DE298}" srcOrd="10" destOrd="0" presId="urn:microsoft.com/office/officeart/2008/layout/VerticalCurvedList"/>
-    <dgm:cxn modelId="{863A82BB-422F-464A-AA79-8BBC37EBEC93}" type="presParOf" srcId="{669A14FE-C942-46A2-8B08-1BBF2C3DE298}" destId="{A3E89A63-B901-4849-9AC8-2BA30F665AF1}" srcOrd="0" destOrd="0" presId="urn:microsoft.com/office/officeart/2008/layout/VerticalCurvedList"/>
-    <dgm:cxn modelId="{877127DF-5213-46B3-AC04-476BEB4F4F4A}" type="presParOf" srcId="{70E77ED7-10DC-42FF-AD20-1FAF4C8CEFD6}" destId="{8DC27B8C-E5A0-413D-A4AA-7D94334D0BF1}" srcOrd="11" destOrd="0" presId="urn:microsoft.com/office/officeart/2008/layout/VerticalCurvedList"/>
-    <dgm:cxn modelId="{E18FDF8C-74C3-4038-9B69-314577F6C638}" type="presParOf" srcId="{70E77ED7-10DC-42FF-AD20-1FAF4C8CEFD6}" destId="{6F4BD079-1CFC-4FC5-9FA6-9B0EB18E0441}" srcOrd="12" destOrd="0" presId="urn:microsoft.com/office/officeart/2008/layout/VerticalCurvedList"/>
-    <dgm:cxn modelId="{D792FB6A-46D5-485B-BF13-C81C8F3FF110}" type="presParOf" srcId="{6F4BD079-1CFC-4FC5-9FA6-9B0EB18E0441}" destId="{F6998E51-831E-4FF7-936A-518A2875D081}" srcOrd="0" destOrd="0" presId="urn:microsoft.com/office/officeart/2008/layout/VerticalCurvedList"/>
-    <dgm:cxn modelId="{CF7A692C-FD0C-459E-A157-395CB43A607F}" type="presParOf" srcId="{70E77ED7-10DC-42FF-AD20-1FAF4C8CEFD6}" destId="{064D1FF3-9FAA-4C7C-954C-49E54438744E}" srcOrd="13" destOrd="0" presId="urn:microsoft.com/office/officeart/2008/layout/VerticalCurvedList"/>
-    <dgm:cxn modelId="{BC55155A-CE18-4DAE-9956-0948D44362BC}" type="presParOf" srcId="{70E77ED7-10DC-42FF-AD20-1FAF4C8CEFD6}" destId="{E128E44C-5A73-4C99-82D9-CC838D8421BB}" srcOrd="14" destOrd="0" presId="urn:microsoft.com/office/officeart/2008/layout/VerticalCurvedList"/>
-    <dgm:cxn modelId="{1234CEEE-2B1D-48E5-AEDF-DFCFE656AAF7}" type="presParOf" srcId="{E128E44C-5A73-4C99-82D9-CC838D8421BB}" destId="{D50DEEA4-9FE4-4937-B4C5-108EFEA3CAE6}" srcOrd="0" destOrd="0" presId="urn:microsoft.com/office/officeart/2008/layout/VerticalCurvedList"/>
+    <dgm:cxn modelId="{8CF65167-85EA-4FF1-8FAF-C08C9F3B449B}" type="presParOf" srcId="{70E77ED7-10DC-42FF-AD20-1FAF4C8CEFD6}" destId="{F1034A5F-A4EA-4EAB-8CA6-D16263099AEA}" srcOrd="3" destOrd="0" presId="urn:microsoft.com/office/officeart/2008/layout/VerticalCurvedList"/>
+    <dgm:cxn modelId="{641F12E6-2DA6-4DD1-80AF-E87585FC65B5}" type="presParOf" srcId="{70E77ED7-10DC-42FF-AD20-1FAF4C8CEFD6}" destId="{9EC1D39B-C648-4538-B145-B03E89573DF4}" srcOrd="4" destOrd="0" presId="urn:microsoft.com/office/officeart/2008/layout/VerticalCurvedList"/>
+    <dgm:cxn modelId="{A37C0396-E935-4A90-913F-1C52AB47A881}" type="presParOf" srcId="{9EC1D39B-C648-4538-B145-B03E89573DF4}" destId="{814DB13A-998E-4DC4-BD6A-589A139B6B03}" srcOrd="0" destOrd="0" presId="urn:microsoft.com/office/officeart/2008/layout/VerticalCurvedList"/>
+    <dgm:cxn modelId="{72BB4316-3457-46AD-B7A4-C0EC65222604}" type="presParOf" srcId="{70E77ED7-10DC-42FF-AD20-1FAF4C8CEFD6}" destId="{F1C26403-44FF-4AD9-BB87-A9207818882A}" srcOrd="5" destOrd="0" presId="urn:microsoft.com/office/officeart/2008/layout/VerticalCurvedList"/>
+    <dgm:cxn modelId="{3BD40CEF-DD2B-405F-859D-11762B39546E}" type="presParOf" srcId="{70E77ED7-10DC-42FF-AD20-1FAF4C8CEFD6}" destId="{8E4C6596-94BB-4F9F-AE53-D13BDE46A297}" srcOrd="6" destOrd="0" presId="urn:microsoft.com/office/officeart/2008/layout/VerticalCurvedList"/>
+    <dgm:cxn modelId="{59D8326A-4361-4C45-8E9F-79FA0E290B4A}" type="presParOf" srcId="{8E4C6596-94BB-4F9F-AE53-D13BDE46A297}" destId="{EE20CFA9-0DA5-42D2-A695-B32F0CCCC2C9}" srcOrd="0" destOrd="0" presId="urn:microsoft.com/office/officeart/2008/layout/VerticalCurvedList"/>
+    <dgm:cxn modelId="{257F1A92-5303-4A39-9C22-654FA25E36E5}" type="presParOf" srcId="{70E77ED7-10DC-42FF-AD20-1FAF4C8CEFD6}" destId="{BDA9C54D-9864-4FD6-873B-5444C3CE9EAB}" srcOrd="7" destOrd="0" presId="urn:microsoft.com/office/officeart/2008/layout/VerticalCurvedList"/>
+    <dgm:cxn modelId="{F029AF02-6ADE-45B0-8FA0-BE280CF33FB2}" type="presParOf" srcId="{70E77ED7-10DC-42FF-AD20-1FAF4C8CEFD6}" destId="{E30B8D9E-4A3E-405D-9D60-BBC0EB83A950}" srcOrd="8" destOrd="0" presId="urn:microsoft.com/office/officeart/2008/layout/VerticalCurvedList"/>
+    <dgm:cxn modelId="{1E45FCB5-C0A9-4B53-B2F1-2ECEE8474998}" type="presParOf" srcId="{E30B8D9E-4A3E-405D-9D60-BBC0EB83A950}" destId="{A3E89A63-B901-4849-9AC8-2BA30F665AF1}" srcOrd="0" destOrd="0" presId="urn:microsoft.com/office/officeart/2008/layout/VerticalCurvedList"/>
+    <dgm:cxn modelId="{AE42D87F-9AB0-4DE5-B37D-C3024F0650F4}" type="presParOf" srcId="{70E77ED7-10DC-42FF-AD20-1FAF4C8CEFD6}" destId="{3C71A3F3-CA8E-4A00-8505-25E9EBAD774D}" srcOrd="9" destOrd="0" presId="urn:microsoft.com/office/officeart/2008/layout/VerticalCurvedList"/>
+    <dgm:cxn modelId="{1E455658-9264-487C-A33B-9647C916B98E}" type="presParOf" srcId="{70E77ED7-10DC-42FF-AD20-1FAF4C8CEFD6}" destId="{D88BD3FF-1233-4EC0-889F-BFBB97D84303}" srcOrd="10" destOrd="0" presId="urn:microsoft.com/office/officeart/2008/layout/VerticalCurvedList"/>
+    <dgm:cxn modelId="{6F17201D-98D4-48AB-A8FD-2F3F2FE0B640}" type="presParOf" srcId="{D88BD3FF-1233-4EC0-889F-BFBB97D84303}" destId="{F6998E51-831E-4FF7-936A-518A2875D081}" srcOrd="0" destOrd="0" presId="urn:microsoft.com/office/officeart/2008/layout/VerticalCurvedList"/>
+    <dgm:cxn modelId="{E04759BA-CEEF-49A7-9C7E-9AA9B35DF5A6}" type="presParOf" srcId="{70E77ED7-10DC-42FF-AD20-1FAF4C8CEFD6}" destId="{9EA31C7A-B66B-4DB5-9B49-C3B56CB63200}" srcOrd="11" destOrd="0" presId="urn:microsoft.com/office/officeart/2008/layout/VerticalCurvedList"/>
+    <dgm:cxn modelId="{F7CA37C9-BF50-4522-AC1B-7FFF48714784}" type="presParOf" srcId="{70E77ED7-10DC-42FF-AD20-1FAF4C8CEFD6}" destId="{05393B6A-102C-4FD4-BB03-934BE629AA60}" srcOrd="12" destOrd="0" presId="urn:microsoft.com/office/officeart/2008/layout/VerticalCurvedList"/>
+    <dgm:cxn modelId="{B5D431F0-468E-4909-AD0D-27DA342F570A}" type="presParOf" srcId="{05393B6A-102C-4FD4-BB03-934BE629AA60}" destId="{D50DEEA4-9FE4-4937-B4C5-108EFEA3CAE6}" srcOrd="0" destOrd="0" presId="urn:microsoft.com/office/officeart/2008/layout/VerticalCurvedList"/>
   </dgm:cxnLst>
   <dgm:bg/>
   <dgm:whole/>
@@ -3871,7 +3797,7 @@
       </dsp:nvSpPr>
       <dsp:spPr>
         <a:xfrm>
-          <a:off x="-4960801" y="-760383"/>
+          <a:off x="-4962529" y="-760383"/>
           <a:ext cx="5910203" cy="5910203"/>
         </a:xfrm>
         <a:prstGeom prst="blockArc">
@@ -3916,8 +3842,8 @@
       </dsp:nvSpPr>
       <dsp:spPr>
         <a:xfrm>
-          <a:off x="307919" y="199543"/>
-          <a:ext cx="7863082" cy="398912"/>
+          <a:off x="353597" y="231147"/>
+          <a:ext cx="7815676" cy="462119"/>
         </a:xfrm>
         <a:prstGeom prst="rect">
           <a:avLst/>
@@ -3958,7 +3884,7 @@
         </a:fontRef>
       </dsp:style>
       <dsp:txBody>
-        <a:bodyPr spcFirstLastPara="0" vert="horz" wrap="square" lIns="316636" tIns="60960" rIns="60960" bIns="60960" numCol="1" spcCol="1270" anchor="ctr" anchorCtr="0">
+        <a:bodyPr spcFirstLastPara="0" vert="horz" wrap="square" lIns="366808" tIns="60960" rIns="60960" bIns="60960" numCol="1" spcCol="1270" anchor="ctr" anchorCtr="0">
           <a:noAutofit/>
         </a:bodyPr>
         <a:lstStyle/>
@@ -3982,8 +3908,8 @@
         </a:p>
       </dsp:txBody>
       <dsp:txXfrm>
-        <a:off x="307919" y="199543"/>
-        <a:ext cx="7863082" cy="398912"/>
+        <a:off x="353597" y="231147"/>
+        <a:ext cx="7815676" cy="462119"/>
       </dsp:txXfrm>
     </dsp:sp>
     <dsp:sp modelId="{4CD4FE62-4259-48ED-9D5C-A489B67DFAF1}">
@@ -3993,8 +3919,8 @@
       </dsp:nvSpPr>
       <dsp:spPr>
         <a:xfrm>
-          <a:off x="58598" y="149679"/>
-          <a:ext cx="498640" cy="498640"/>
+          <a:off x="64772" y="173382"/>
+          <a:ext cx="577649" cy="577649"/>
         </a:xfrm>
         <a:prstGeom prst="ellipse">
           <a:avLst/>
@@ -4033,15 +3959,15 @@
         <a:fontRef idx="minor"/>
       </dsp:style>
     </dsp:sp>
-    <dsp:sp modelId="{A3104B99-855C-49B4-8069-FCC68D29EB1A}">
+    <dsp:sp modelId="{F1034A5F-A4EA-4EAB-8CA6-D16263099AEA}">
       <dsp:nvSpPr>
         <dsp:cNvPr id="0" name=""/>
         <dsp:cNvSpPr/>
       </dsp:nvSpPr>
       <dsp:spPr>
         <a:xfrm>
-          <a:off x="669169" y="798263"/>
-          <a:ext cx="7501831" cy="398912"/>
+          <a:off x="733722" y="924239"/>
+          <a:ext cx="7435550" cy="462119"/>
         </a:xfrm>
         <a:prstGeom prst="rect">
           <a:avLst/>
@@ -4082,7 +4008,7 @@
         </a:fontRef>
       </dsp:style>
       <dsp:txBody>
-        <a:bodyPr spcFirstLastPara="0" vert="horz" wrap="square" lIns="316636" tIns="60960" rIns="60960" bIns="60960" numCol="1" spcCol="1270" anchor="ctr" anchorCtr="0">
+        <a:bodyPr spcFirstLastPara="0" vert="horz" wrap="square" lIns="366808" tIns="60960" rIns="60960" bIns="60960" numCol="1" spcCol="1270" anchor="ctr" anchorCtr="0">
           <a:noAutofit/>
         </a:bodyPr>
         <a:lstStyle/>
@@ -4100,25 +4026,25 @@
           </a:pPr>
           <a:r>
             <a:rPr lang="en-US" sz="2400" kern="1200" dirty="0" smtClean="0"/>
-            <a:t>Advantages &amp; disadvantages of current system</a:t>
+            <a:t>Propose solution</a:t>
           </a:r>
           <a:endParaRPr lang="en-US" sz="2400" kern="1200" dirty="0"/>
         </a:p>
       </dsp:txBody>
       <dsp:txXfrm>
-        <a:off x="669169" y="798263"/>
-        <a:ext cx="7501831" cy="398912"/>
+        <a:off x="733722" y="924239"/>
+        <a:ext cx="7435550" cy="462119"/>
       </dsp:txXfrm>
     </dsp:sp>
-    <dsp:sp modelId="{35D27AC3-6543-47EC-9D43-F196CF36F3B0}">
+    <dsp:sp modelId="{814DB13A-998E-4DC4-BD6A-589A139B6B03}">
       <dsp:nvSpPr>
         <dsp:cNvPr id="0" name=""/>
         <dsp:cNvSpPr/>
       </dsp:nvSpPr>
       <dsp:spPr>
         <a:xfrm>
-          <a:off x="419849" y="748399"/>
-          <a:ext cx="498640" cy="498640"/>
+          <a:off x="444897" y="866474"/>
+          <a:ext cx="577649" cy="577649"/>
         </a:xfrm>
         <a:prstGeom prst="ellipse">
           <a:avLst/>
@@ -4157,15 +4083,15 @@
         <a:fontRef idx="minor"/>
       </dsp:style>
     </dsp:sp>
-    <dsp:sp modelId="{EECC6FE4-1328-4BBE-8F10-6779855078EC}">
+    <dsp:sp modelId="{F1C26403-44FF-4AD9-BB87-A9207818882A}">
       <dsp:nvSpPr>
         <dsp:cNvPr id="0" name=""/>
         <dsp:cNvSpPr/>
       </dsp:nvSpPr>
       <dsp:spPr>
         <a:xfrm>
-          <a:off x="867133" y="1396543"/>
-          <a:ext cx="7303867" cy="398912"/>
+          <a:off x="907544" y="1617331"/>
+          <a:ext cx="7261729" cy="462119"/>
         </a:xfrm>
         <a:prstGeom prst="rect">
           <a:avLst/>
@@ -4206,7 +4132,7 @@
         </a:fontRef>
       </dsp:style>
       <dsp:txBody>
-        <a:bodyPr spcFirstLastPara="0" vert="horz" wrap="square" lIns="316636" tIns="60960" rIns="60960" bIns="60960" numCol="1" spcCol="1270" anchor="ctr" anchorCtr="0">
+        <a:bodyPr spcFirstLastPara="0" vert="horz" wrap="square" lIns="366808" tIns="60960" rIns="60960" bIns="60960" numCol="1" spcCol="1270" anchor="ctr" anchorCtr="0">
           <a:noAutofit/>
         </a:bodyPr>
         <a:lstStyle/>
@@ -4224,25 +4150,25 @@
           </a:pPr>
           <a:r>
             <a:rPr lang="en-US" sz="2400" kern="1200" dirty="0" smtClean="0"/>
-            <a:t>Propose solution</a:t>
+            <a:t>Technology &amp; development environment</a:t>
           </a:r>
           <a:endParaRPr lang="en-US" sz="2400" kern="1200" dirty="0"/>
         </a:p>
       </dsp:txBody>
       <dsp:txXfrm>
-        <a:off x="867133" y="1396543"/>
-        <a:ext cx="7303867" cy="398912"/>
+        <a:off x="907544" y="1617331"/>
+        <a:ext cx="7261729" cy="462119"/>
       </dsp:txXfrm>
     </dsp:sp>
-    <dsp:sp modelId="{814DB13A-998E-4DC4-BD6A-589A139B6B03}">
+    <dsp:sp modelId="{EE20CFA9-0DA5-42D2-A695-B32F0CCCC2C9}">
       <dsp:nvSpPr>
         <dsp:cNvPr id="0" name=""/>
         <dsp:cNvSpPr/>
       </dsp:nvSpPr>
       <dsp:spPr>
         <a:xfrm>
-          <a:off x="617813" y="1346679"/>
-          <a:ext cx="498640" cy="498640"/>
+          <a:off x="618719" y="1559566"/>
+          <a:ext cx="577649" cy="577649"/>
         </a:xfrm>
         <a:prstGeom prst="ellipse">
           <a:avLst/>
@@ -4281,15 +4207,15 @@
         <a:fontRef idx="minor"/>
       </dsp:style>
     </dsp:sp>
-    <dsp:sp modelId="{23DC2D5B-B3C7-486F-9CE2-F99E5043B399}">
+    <dsp:sp modelId="{BDA9C54D-9864-4FD6-873B-5444C3CE9EAB}">
       <dsp:nvSpPr>
         <dsp:cNvPr id="0" name=""/>
         <dsp:cNvSpPr/>
       </dsp:nvSpPr>
       <dsp:spPr>
         <a:xfrm>
-          <a:off x="930341" y="1995262"/>
-          <a:ext cx="7240659" cy="398912"/>
+          <a:off x="907544" y="2309985"/>
+          <a:ext cx="7261729" cy="462119"/>
         </a:xfrm>
         <a:prstGeom prst="rect">
           <a:avLst/>
@@ -4330,7 +4256,7 @@
         </a:fontRef>
       </dsp:style>
       <dsp:txBody>
-        <a:bodyPr spcFirstLastPara="0" vert="horz" wrap="square" lIns="316636" tIns="60960" rIns="60960" bIns="60960" numCol="1" spcCol="1270" anchor="ctr" anchorCtr="0">
+        <a:bodyPr spcFirstLastPara="0" vert="horz" wrap="square" lIns="366808" tIns="60960" rIns="60960" bIns="60960" numCol="1" spcCol="1270" anchor="ctr" anchorCtr="0">
           <a:noAutofit/>
         </a:bodyPr>
         <a:lstStyle/>
@@ -4348,25 +4274,25 @@
           </a:pPr>
           <a:r>
             <a:rPr lang="en-US" sz="2400" kern="1200" dirty="0" smtClean="0"/>
-            <a:t>Technology &amp; development environment</a:t>
+            <a:t>Demonstration</a:t>
           </a:r>
           <a:endParaRPr lang="en-US" sz="2400" kern="1200" dirty="0"/>
         </a:p>
       </dsp:txBody>
       <dsp:txXfrm>
-        <a:off x="930341" y="1995262"/>
-        <a:ext cx="7240659" cy="398912"/>
+        <a:off x="907544" y="2309985"/>
+        <a:ext cx="7261729" cy="462119"/>
       </dsp:txXfrm>
     </dsp:sp>
-    <dsp:sp modelId="{EE20CFA9-0DA5-42D2-A695-B32F0CCCC2C9}">
+    <dsp:sp modelId="{A3E89A63-B901-4849-9AC8-2BA30F665AF1}">
       <dsp:nvSpPr>
         <dsp:cNvPr id="0" name=""/>
         <dsp:cNvSpPr/>
       </dsp:nvSpPr>
       <dsp:spPr>
         <a:xfrm>
-          <a:off x="681021" y="1945398"/>
-          <a:ext cx="498640" cy="498640"/>
+          <a:off x="618719" y="2252220"/>
+          <a:ext cx="577649" cy="577649"/>
         </a:xfrm>
         <a:prstGeom prst="ellipse">
           <a:avLst/>
@@ -4405,15 +4331,15 @@
         <a:fontRef idx="minor"/>
       </dsp:style>
     </dsp:sp>
-    <dsp:sp modelId="{9E335180-6E28-4ED0-A243-978597241A38}">
+    <dsp:sp modelId="{3C71A3F3-CA8E-4A00-8505-25E9EBAD774D}">
       <dsp:nvSpPr>
         <dsp:cNvPr id="0" name=""/>
         <dsp:cNvSpPr/>
       </dsp:nvSpPr>
       <dsp:spPr>
         <a:xfrm>
-          <a:off x="867133" y="2593981"/>
-          <a:ext cx="7303867" cy="398912"/>
+          <a:off x="733722" y="3003077"/>
+          <a:ext cx="7435550" cy="462119"/>
         </a:xfrm>
         <a:prstGeom prst="rect">
           <a:avLst/>
@@ -4454,7 +4380,7 @@
         </a:fontRef>
       </dsp:style>
       <dsp:txBody>
-        <a:bodyPr spcFirstLastPara="0" vert="horz" wrap="square" lIns="316636" tIns="60960" rIns="60960" bIns="60960" numCol="1" spcCol="1270" anchor="ctr" anchorCtr="0">
+        <a:bodyPr spcFirstLastPara="0" vert="horz" wrap="square" lIns="366808" tIns="60960" rIns="60960" bIns="60960" numCol="1" spcCol="1270" anchor="ctr" anchorCtr="0">
           <a:noAutofit/>
         </a:bodyPr>
         <a:lstStyle/>
@@ -4472,25 +4398,25 @@
           </a:pPr>
           <a:r>
             <a:rPr lang="en-US" sz="2400" kern="1200" dirty="0" smtClean="0"/>
-            <a:t>Demonstration</a:t>
+            <a:t>Advantages &amp; disadvantages of new system</a:t>
           </a:r>
           <a:endParaRPr lang="en-US" sz="2400" kern="1200" dirty="0"/>
         </a:p>
       </dsp:txBody>
       <dsp:txXfrm>
-        <a:off x="867133" y="2593981"/>
-        <a:ext cx="7303867" cy="398912"/>
+        <a:off x="733722" y="3003077"/>
+        <a:ext cx="7435550" cy="462119"/>
       </dsp:txXfrm>
     </dsp:sp>
-    <dsp:sp modelId="{A3E89A63-B901-4849-9AC8-2BA30F665AF1}">
+    <dsp:sp modelId="{F6998E51-831E-4FF7-936A-518A2875D081}">
       <dsp:nvSpPr>
         <dsp:cNvPr id="0" name=""/>
         <dsp:cNvSpPr/>
       </dsp:nvSpPr>
       <dsp:spPr>
         <a:xfrm>
-          <a:off x="617813" y="2544117"/>
-          <a:ext cx="498640" cy="498640"/>
+          <a:off x="444897" y="2945312"/>
+          <a:ext cx="577649" cy="577649"/>
         </a:xfrm>
         <a:prstGeom prst="ellipse">
           <a:avLst/>
@@ -4529,15 +4455,15 @@
         <a:fontRef idx="minor"/>
       </dsp:style>
     </dsp:sp>
-    <dsp:sp modelId="{8DC27B8C-E5A0-413D-A4AA-7D94334D0BF1}">
+    <dsp:sp modelId="{9EA31C7A-B66B-4DB5-9B49-C3B56CB63200}">
       <dsp:nvSpPr>
         <dsp:cNvPr id="0" name=""/>
         <dsp:cNvSpPr/>
       </dsp:nvSpPr>
       <dsp:spPr>
         <a:xfrm>
-          <a:off x="669169" y="3192261"/>
-          <a:ext cx="7501831" cy="398912"/>
+          <a:off x="353597" y="3696169"/>
+          <a:ext cx="7815676" cy="462119"/>
         </a:xfrm>
         <a:prstGeom prst="rect">
           <a:avLst/>
@@ -4578,131 +4504,7 @@
         </a:fontRef>
       </dsp:style>
       <dsp:txBody>
-        <a:bodyPr spcFirstLastPara="0" vert="horz" wrap="square" lIns="316636" tIns="60960" rIns="60960" bIns="60960" numCol="1" spcCol="1270" anchor="ctr" anchorCtr="0">
-          <a:noAutofit/>
-        </a:bodyPr>
-        <a:lstStyle/>
-        <a:p>
-          <a:pPr lvl="0" algn="l" defTabSz="1066800">
-            <a:lnSpc>
-              <a:spcPct val="90000"/>
-            </a:lnSpc>
-            <a:spcBef>
-              <a:spcPct val="0"/>
-            </a:spcBef>
-            <a:spcAft>
-              <a:spcPct val="35000"/>
-            </a:spcAft>
-          </a:pPr>
-          <a:r>
-            <a:rPr lang="en-US" sz="2400" kern="1200" dirty="0" smtClean="0"/>
-            <a:t>Advantages &amp; disadvantages of new system</a:t>
-          </a:r>
-          <a:endParaRPr lang="en-US" sz="2400" kern="1200" dirty="0"/>
-        </a:p>
-      </dsp:txBody>
-      <dsp:txXfrm>
-        <a:off x="669169" y="3192261"/>
-        <a:ext cx="7501831" cy="398912"/>
-      </dsp:txXfrm>
-    </dsp:sp>
-    <dsp:sp modelId="{F6998E51-831E-4FF7-936A-518A2875D081}">
-      <dsp:nvSpPr>
-        <dsp:cNvPr id="0" name=""/>
-        <dsp:cNvSpPr/>
-      </dsp:nvSpPr>
-      <dsp:spPr>
-        <a:xfrm>
-          <a:off x="419849" y="3142397"/>
-          <a:ext cx="498640" cy="498640"/>
-        </a:xfrm>
-        <a:prstGeom prst="ellipse">
-          <a:avLst/>
-        </a:prstGeom>
-        <a:solidFill>
-          <a:schemeClr val="lt1">
-            <a:hueOff val="0"/>
-            <a:satOff val="0"/>
-            <a:lumOff val="0"/>
-            <a:alphaOff val="0"/>
-          </a:schemeClr>
-        </a:solidFill>
-        <a:ln w="25400" cap="flat" cmpd="sng" algn="ctr">
-          <a:solidFill>
-            <a:schemeClr val="accent1">
-              <a:hueOff val="0"/>
-              <a:satOff val="0"/>
-              <a:lumOff val="0"/>
-              <a:alphaOff val="0"/>
-            </a:schemeClr>
-          </a:solidFill>
-          <a:prstDash val="solid"/>
-        </a:ln>
-        <a:effectLst/>
-      </dsp:spPr>
-      <dsp:style>
-        <a:lnRef idx="2">
-          <a:scrgbClr r="0" g="0" b="0"/>
-        </a:lnRef>
-        <a:fillRef idx="1">
-          <a:scrgbClr r="0" g="0" b="0"/>
-        </a:fillRef>
-        <a:effectRef idx="0">
-          <a:scrgbClr r="0" g="0" b="0"/>
-        </a:effectRef>
-        <a:fontRef idx="minor"/>
-      </dsp:style>
-    </dsp:sp>
-    <dsp:sp modelId="{064D1FF3-9FAA-4C7C-954C-49E54438744E}">
-      <dsp:nvSpPr>
-        <dsp:cNvPr id="0" name=""/>
-        <dsp:cNvSpPr/>
-      </dsp:nvSpPr>
-      <dsp:spPr>
-        <a:xfrm>
-          <a:off x="307919" y="3790981"/>
-          <a:ext cx="7863082" cy="398912"/>
-        </a:xfrm>
-        <a:prstGeom prst="rect">
-          <a:avLst/>
-        </a:prstGeom>
-        <a:solidFill>
-          <a:schemeClr val="accent1">
-            <a:hueOff val="0"/>
-            <a:satOff val="0"/>
-            <a:lumOff val="0"/>
-            <a:alphaOff val="0"/>
-          </a:schemeClr>
-        </a:solidFill>
-        <a:ln w="25400" cap="flat" cmpd="sng" algn="ctr">
-          <a:solidFill>
-            <a:schemeClr val="lt1">
-              <a:hueOff val="0"/>
-              <a:satOff val="0"/>
-              <a:lumOff val="0"/>
-              <a:alphaOff val="0"/>
-            </a:schemeClr>
-          </a:solidFill>
-          <a:prstDash val="solid"/>
-        </a:ln>
-        <a:effectLst/>
-      </dsp:spPr>
-      <dsp:style>
-        <a:lnRef idx="2">
-          <a:scrgbClr r="0" g="0" b="0"/>
-        </a:lnRef>
-        <a:fillRef idx="1">
-          <a:scrgbClr r="0" g="0" b="0"/>
-        </a:fillRef>
-        <a:effectRef idx="0">
-          <a:scrgbClr r="0" g="0" b="0"/>
-        </a:effectRef>
-        <a:fontRef idx="minor">
-          <a:schemeClr val="lt1"/>
-        </a:fontRef>
-      </dsp:style>
-      <dsp:txBody>
-        <a:bodyPr spcFirstLastPara="0" vert="horz" wrap="square" lIns="316636" tIns="60960" rIns="60960" bIns="60960" numCol="1" spcCol="1270" anchor="ctr" anchorCtr="0">
+        <a:bodyPr spcFirstLastPara="0" vert="horz" wrap="square" lIns="366808" tIns="60960" rIns="60960" bIns="60960" numCol="1" spcCol="1270" anchor="ctr" anchorCtr="0">
           <a:noAutofit/>
         </a:bodyPr>
         <a:lstStyle/>
@@ -4726,8 +4528,8 @@
         </a:p>
       </dsp:txBody>
       <dsp:txXfrm>
-        <a:off x="307919" y="3790981"/>
-        <a:ext cx="7863082" cy="398912"/>
+        <a:off x="353597" y="3696169"/>
+        <a:ext cx="7815676" cy="462119"/>
       </dsp:txXfrm>
     </dsp:sp>
     <dsp:sp modelId="{D50DEEA4-9FE4-4937-B4C5-108EFEA3CAE6}">
@@ -4737,8 +4539,8 @@
       </dsp:nvSpPr>
       <dsp:spPr>
         <a:xfrm>
-          <a:off x="58598" y="3741117"/>
-          <a:ext cx="498640" cy="498640"/>
+          <a:off x="64772" y="3638404"/>
+          <a:ext cx="577649" cy="577649"/>
         </a:xfrm>
         <a:prstGeom prst="ellipse">
           <a:avLst/>
@@ -8525,7 +8327,7 @@
           <a:p>
             <a:fld id="{F926AD2F-0442-4925-840A-F43001291E72}" type="datetimeFigureOut">
               <a:rPr lang="en-US" smtClean="0"/>
-              <a:t>4/19/2014</a:t>
+              <a:t>5/5/2014</a:t>
             </a:fld>
             <a:endParaRPr lang="en-US"/>
           </a:p>
@@ -8690,7 +8492,7 @@
           <a:p>
             <a:fld id="{F926AD2F-0442-4925-840A-F43001291E72}" type="datetimeFigureOut">
               <a:rPr lang="en-US" smtClean="0"/>
-              <a:t>4/19/2014</a:t>
+              <a:t>5/5/2014</a:t>
             </a:fld>
             <a:endParaRPr lang="en-US"/>
           </a:p>
@@ -8865,7 +8667,7 @@
           <a:p>
             <a:fld id="{F926AD2F-0442-4925-840A-F43001291E72}" type="datetimeFigureOut">
               <a:rPr lang="en-US" smtClean="0"/>
-              <a:t>4/19/2014</a:t>
+              <a:t>5/5/2014</a:t>
             </a:fld>
             <a:endParaRPr lang="en-US"/>
           </a:p>
@@ -9030,7 +8832,7 @@
           <a:p>
             <a:fld id="{F926AD2F-0442-4925-840A-F43001291E72}" type="datetimeFigureOut">
               <a:rPr lang="en-US" smtClean="0"/>
-              <a:t>4/19/2014</a:t>
+              <a:t>5/5/2014</a:t>
             </a:fld>
             <a:endParaRPr lang="en-US"/>
           </a:p>
@@ -9272,7 +9074,7 @@
           <a:p>
             <a:fld id="{F926AD2F-0442-4925-840A-F43001291E72}" type="datetimeFigureOut">
               <a:rPr lang="en-US" smtClean="0"/>
-              <a:t>4/19/2014</a:t>
+              <a:t>5/5/2014</a:t>
             </a:fld>
             <a:endParaRPr lang="en-US"/>
           </a:p>
@@ -9536,7 +9338,7 @@
           <a:p>
             <a:fld id="{F926AD2F-0442-4925-840A-F43001291E72}" type="datetimeFigureOut">
               <a:rPr lang="en-US" smtClean="0"/>
-              <a:t>4/19/2014</a:t>
+              <a:t>5/5/2014</a:t>
             </a:fld>
             <a:endParaRPr lang="en-US"/>
           </a:p>
@@ -9914,7 +9716,7 @@
           <a:p>
             <a:fld id="{F926AD2F-0442-4925-840A-F43001291E72}" type="datetimeFigureOut">
               <a:rPr lang="en-US" smtClean="0"/>
-              <a:t>4/19/2014</a:t>
+              <a:t>5/5/2014</a:t>
             </a:fld>
             <a:endParaRPr lang="en-US"/>
           </a:p>
@@ -10064,7 +9866,7 @@
           <a:p>
             <a:fld id="{F926AD2F-0442-4925-840A-F43001291E72}" type="datetimeFigureOut">
               <a:rPr lang="en-US" smtClean="0"/>
-              <a:t>4/19/2014</a:t>
+              <a:t>5/5/2014</a:t>
             </a:fld>
             <a:endParaRPr lang="en-US"/>
           </a:p>
@@ -10154,7 +9956,7 @@
           <a:p>
             <a:fld id="{F926AD2F-0442-4925-840A-F43001291E72}" type="datetimeFigureOut">
               <a:rPr lang="en-US" smtClean="0"/>
-              <a:t>4/19/2014</a:t>
+              <a:t>5/5/2014</a:t>
             </a:fld>
             <a:endParaRPr lang="en-US"/>
           </a:p>
@@ -10415,7 +10217,7 @@
           <a:p>
             <a:fld id="{F926AD2F-0442-4925-840A-F43001291E72}" type="datetimeFigureOut">
               <a:rPr lang="en-US" smtClean="0"/>
-              <a:t>4/19/2014</a:t>
+              <a:t>5/5/2014</a:t>
             </a:fld>
             <a:endParaRPr lang="en-US"/>
           </a:p>
@@ -10703,7 +10505,7 @@
           <a:p>
             <a:fld id="{F926AD2F-0442-4925-840A-F43001291E72}" type="datetimeFigureOut">
               <a:rPr lang="en-US" smtClean="0"/>
-              <a:t>4/19/2014</a:t>
+              <a:t>5/5/2014</a:t>
             </a:fld>
             <a:endParaRPr lang="en-US"/>
           </a:p>
@@ -11474,7 +11276,7 @@
           <a:p>
             <a:fld id="{F926AD2F-0442-4925-840A-F43001291E72}" type="datetimeFigureOut">
               <a:rPr lang="en-US" smtClean="0"/>
-              <a:t>4/19/2014</a:t>
+              <a:t>5/5/2014</a:t>
             </a:fld>
             <a:endParaRPr lang="en-US"/>
           </a:p>
@@ -12791,201 +12593,6 @@
             <p:ph type="title"/>
           </p:nvPr>
         </p:nvSpPr>
-        <p:spPr>
-          <a:xfrm>
-            <a:off x="20472" y="-17060"/>
-            <a:ext cx="8229600" cy="1312460"/>
-          </a:xfrm>
-        </p:spPr>
-        <p:txBody>
-          <a:bodyPr>
-            <a:normAutofit fontScale="90000"/>
-          </a:bodyPr>
-          <a:lstStyle/>
-          <a:p>
-            <a:r>
-              <a:rPr lang="en-US" dirty="0" smtClean="0"/>
-              <a:t>Database</a:t>
-            </a:r>
-            <a:br>
-              <a:rPr lang="en-US" dirty="0" smtClean="0"/>
-            </a:br>
-            <a:r>
-              <a:rPr lang="en-US" dirty="0" smtClean="0"/>
-              <a:t>Design</a:t>
-            </a:r>
-            <a:endParaRPr lang="en-US" dirty="0"/>
-          </a:p>
-        </p:txBody>
-      </p:sp>
-      <p:pic>
-        <p:nvPicPr>
-          <p:cNvPr id="3" name="Picture 2"/>
-          <p:cNvPicPr>
-            <a:picLocks noChangeAspect="1"/>
-          </p:cNvPicPr>
-          <p:nvPr/>
-        </p:nvPicPr>
-        <p:blipFill>
-          <a:blip r:embed="rId2">
-            <a:extLst>
-              <a:ext uri="{28A0092B-C50C-407E-A947-70E740481C1C}">
-                <a14:useLocalDpi xmlns:a14="http://schemas.microsoft.com/office/drawing/2010/main" val="0"/>
-              </a:ext>
-            </a:extLst>
-          </a:blip>
-          <a:stretch>
-            <a:fillRect/>
-          </a:stretch>
-        </p:blipFill>
-        <p:spPr>
-          <a:xfrm>
-            <a:off x="2590800" y="-17060"/>
-            <a:ext cx="6211351" cy="6858000"/>
-          </a:xfrm>
-          <a:prstGeom prst="rect">
-            <a:avLst/>
-          </a:prstGeom>
-        </p:spPr>
-      </p:pic>
-    </p:spTree>
-    <p:extLst>
-      <p:ext uri="{BB962C8B-B14F-4D97-AF65-F5344CB8AC3E}">
-        <p14:creationId xmlns:p14="http://schemas.microsoft.com/office/powerpoint/2010/main" val="2158052489"/>
-      </p:ext>
-    </p:extLst>
-  </p:cSld>
-  <p:clrMapOvr>
-    <a:masterClrMapping/>
-  </p:clrMapOvr>
-  <p:timing>
-    <p:tnLst>
-      <p:par>
-        <p:cTn id="1" dur="indefinite" restart="never" nodeType="tmRoot"/>
-      </p:par>
-    </p:tnLst>
-  </p:timing>
-</p:sld>
-</file>
-
-<file path=ppt/slides/slide13.xml><?xml version="1.0" encoding="utf-8"?>
-<p:sld xmlns:a="http://schemas.openxmlformats.org/drawingml/2006/main" xmlns:r="http://schemas.openxmlformats.org/officeDocument/2006/relationships" xmlns:p="http://schemas.openxmlformats.org/presentationml/2006/main">
-  <p:cSld>
-    <p:spTree>
-      <p:nvGrpSpPr>
-        <p:cNvPr id="1" name=""/>
-        <p:cNvGrpSpPr/>
-        <p:nvPr/>
-      </p:nvGrpSpPr>
-      <p:grpSpPr>
-        <a:xfrm>
-          <a:off x="0" y="0"/>
-          <a:ext cx="0" cy="0"/>
-          <a:chOff x="0" y="0"/>
-          <a:chExt cx="0" cy="0"/>
-        </a:xfrm>
-      </p:grpSpPr>
-      <p:sp>
-        <p:nvSpPr>
-          <p:cNvPr id="2" name="Title 1"/>
-          <p:cNvSpPr>
-            <a:spLocks noGrp="1"/>
-          </p:cNvSpPr>
-          <p:nvPr>
-            <p:ph type="title"/>
-          </p:nvPr>
-        </p:nvSpPr>
-        <p:spPr/>
-        <p:txBody>
-          <a:bodyPr>
-            <a:normAutofit fontScale="90000"/>
-          </a:bodyPr>
-          <a:lstStyle/>
-          <a:p>
-            <a:r>
-              <a:rPr lang="en-US" dirty="0" smtClean="0"/>
-              <a:t>Business Intelligence</a:t>
-            </a:r>
-            <a:br>
-              <a:rPr lang="en-US" dirty="0" smtClean="0"/>
-            </a:br>
-            <a:endParaRPr lang="en-US" dirty="0"/>
-          </a:p>
-        </p:txBody>
-      </p:sp>
-      <p:pic>
-        <p:nvPicPr>
-          <p:cNvPr id="4" name="Content Placeholder 3"/>
-          <p:cNvPicPr>
-            <a:picLocks noGrp="1" noChangeAspect="1"/>
-          </p:cNvPicPr>
-          <p:nvPr>
-            <p:ph idx="1"/>
-          </p:nvPr>
-        </p:nvPicPr>
-        <p:blipFill>
-          <a:blip r:embed="rId2"/>
-          <a:stretch>
-            <a:fillRect/>
-          </a:stretch>
-        </p:blipFill>
-        <p:spPr>
-          <a:xfrm>
-            <a:off x="27296" y="1275588"/>
-            <a:ext cx="9116704" cy="5522619"/>
-          </a:xfrm>
-          <a:prstGeom prst="rect">
-            <a:avLst/>
-          </a:prstGeom>
-        </p:spPr>
-      </p:pic>
-    </p:spTree>
-    <p:extLst>
-      <p:ext uri="{BB962C8B-B14F-4D97-AF65-F5344CB8AC3E}">
-        <p14:creationId xmlns:p14="http://schemas.microsoft.com/office/powerpoint/2010/main" val="2053051062"/>
-      </p:ext>
-    </p:extLst>
-  </p:cSld>
-  <p:clrMapOvr>
-    <a:masterClrMapping/>
-  </p:clrMapOvr>
-  <p:timing>
-    <p:tnLst>
-      <p:par>
-        <p:cTn id="1" dur="indefinite" restart="never" nodeType="tmRoot"/>
-      </p:par>
-    </p:tnLst>
-  </p:timing>
-</p:sld>
-</file>
-
-<file path=ppt/slides/slide14.xml><?xml version="1.0" encoding="utf-8"?>
-<p:sld xmlns:a="http://schemas.openxmlformats.org/drawingml/2006/main" xmlns:r="http://schemas.openxmlformats.org/officeDocument/2006/relationships" xmlns:p="http://schemas.openxmlformats.org/presentationml/2006/main">
-  <p:cSld>
-    <p:spTree>
-      <p:nvGrpSpPr>
-        <p:cNvPr id="1" name=""/>
-        <p:cNvGrpSpPr/>
-        <p:nvPr/>
-      </p:nvGrpSpPr>
-      <p:grpSpPr>
-        <a:xfrm>
-          <a:off x="0" y="0"/>
-          <a:ext cx="0" cy="0"/>
-          <a:chOff x="0" y="0"/>
-          <a:chExt cx="0" cy="0"/>
-        </a:xfrm>
-      </p:grpSpPr>
-      <p:sp>
-        <p:nvSpPr>
-          <p:cNvPr id="2" name="Title 1"/>
-          <p:cNvSpPr>
-            <a:spLocks noGrp="1"/>
-          </p:cNvSpPr>
-          <p:nvPr>
-            <p:ph type="title"/>
-          </p:nvPr>
-        </p:nvSpPr>
         <p:spPr/>
         <p:txBody>
           <a:bodyPr/>
@@ -13160,7 +12767,7 @@
 </p:sld>
 </file>
 
-<file path=ppt/slides/slide15.xml><?xml version="1.0" encoding="utf-8"?>
+<file path=ppt/slides/slide13.xml><?xml version="1.0" encoding="utf-8"?>
 <p:sld xmlns:a="http://schemas.openxmlformats.org/drawingml/2006/main" xmlns:r="http://schemas.openxmlformats.org/officeDocument/2006/relationships" xmlns:p="http://schemas.openxmlformats.org/presentationml/2006/main">
   <p:cSld>
     <p:spTree>
@@ -13370,7 +12977,7 @@
             <p:ph idx="1"/>
             <p:extLst>
               <p:ext uri="{D42A27DB-BD31-4B8C-83A1-F6EECF244321}">
-                <p14:modId xmlns:p14="http://schemas.microsoft.com/office/powerpoint/2010/main" val="2978208146"/>
+                <p14:modId xmlns:p14="http://schemas.microsoft.com/office/powerpoint/2010/main" val="41325807"/>
               </p:ext>
             </p:extLst>
           </p:nvPr>
